--- a/Presentation.pptx
+++ b/Presentation.pptx
@@ -3564,9 +3564,20 @@
         </p:spPr>
         <p:txBody>
           <a:bodyPr vert="horz" lIns="91440" tIns="45720" rIns="91440" bIns="45720" rtlCol="0">
-            <a:normAutofit lnSpcReduction="10000"/>
+            <a:normAutofit fontScale="85000" lnSpcReduction="20000"/>
           </a:bodyPr>
           <a:lstStyle/>
+          <a:p>
+            <a:r>
+              <a:rPr lang="en-IN" sz="3500" b="1" dirty="0"/>
+              <a:t>Victoria Social Media Analysis</a:t>
+            </a:r>
+            <a:endParaRPr lang="en-US" sz="3500" b="1" dirty="0">
+              <a:solidFill>
+                <a:srgbClr val="000000"/>
+              </a:solidFill>
+            </a:endParaRPr>
+          </a:p>
           <a:p>
             <a:r>
               <a:rPr lang="en-US" sz="2000" b="1" dirty="0">
@@ -3574,7 +3585,7 @@
                   <a:srgbClr val="000000"/>
                 </a:solidFill>
               </a:rPr>
-              <a:t>Presentation by team 52 : </a:t>
+              <a:t>Presented by team 52 : </a:t>
             </a:r>
           </a:p>
           <a:p>
@@ -3611,7 +3622,23 @@
                   <a:srgbClr val="000000"/>
                 </a:solidFill>
               </a:rPr>
-              <a:t> 		- swalvekar@student.unimelb.edu.au</a:t>
+              <a:t> 	</a:t>
+            </a:r>
+            <a:r>
+              <a:rPr lang="en-US" sz="2000">
+                <a:solidFill>
+                  <a:srgbClr val="000000"/>
+                </a:solidFill>
+              </a:rPr>
+              <a:t>		- </a:t>
+            </a:r>
+            <a:r>
+              <a:rPr lang="en-US" sz="2000" dirty="0">
+                <a:solidFill>
+                  <a:srgbClr val="000000"/>
+                </a:solidFill>
+              </a:rPr>
+              <a:t>swalvekar@student.unimelb.edu.au</a:t>
             </a:r>
           </a:p>
           <a:p>

--- a/Presentation.pptx
+++ b/Presentation.pptx
@@ -7,7 +7,22 @@
   <p:sldIdLst>
     <p:sldId id="256" r:id="rId2"/>
     <p:sldId id="257" r:id="rId3"/>
-    <p:sldId id="258" r:id="rId4"/>
+    <p:sldId id="262" r:id="rId4"/>
+    <p:sldId id="264" r:id="rId5"/>
+    <p:sldId id="263" r:id="rId6"/>
+    <p:sldId id="258" r:id="rId7"/>
+    <p:sldId id="265" r:id="rId8"/>
+    <p:sldId id="266" r:id="rId9"/>
+    <p:sldId id="267" r:id="rId10"/>
+    <p:sldId id="268" r:id="rId11"/>
+    <p:sldId id="270" r:id="rId12"/>
+    <p:sldId id="271" r:id="rId13"/>
+    <p:sldId id="273" r:id="rId14"/>
+    <p:sldId id="272" r:id="rId15"/>
+    <p:sldId id="259" r:id="rId16"/>
+    <p:sldId id="274" r:id="rId17"/>
+    <p:sldId id="275" r:id="rId18"/>
+    <p:sldId id="260" r:id="rId19"/>
   </p:sldIdLst>
   <p:sldSz cx="12192000" cy="6858000"/>
   <p:notesSz cx="6858000" cy="9144000"/>
@@ -113,7 +128,22 @@
           <p14:sldIdLst>
             <p14:sldId id="256"/>
             <p14:sldId id="257"/>
+            <p14:sldId id="262"/>
+            <p14:sldId id="264"/>
+            <p14:sldId id="263"/>
             <p14:sldId id="258"/>
+            <p14:sldId id="265"/>
+            <p14:sldId id="266"/>
+            <p14:sldId id="267"/>
+            <p14:sldId id="268"/>
+            <p14:sldId id="270"/>
+            <p14:sldId id="271"/>
+            <p14:sldId id="273"/>
+            <p14:sldId id="272"/>
+            <p14:sldId id="259"/>
+            <p14:sldId id="274"/>
+            <p14:sldId id="275"/>
+            <p14:sldId id="260"/>
           </p14:sldIdLst>
         </p14:section>
       </p14:sectionLst>
@@ -274,7 +304,7 @@
           <a:p>
             <a:fld id="{D467275A-F4E5-414A-A2DF-B05C77BEDC62}" type="datetimeFigureOut">
               <a:rPr lang="en-IN" smtClean="0"/>
-              <a:t>15-05-2019</a:t>
+              <a:t>22-05-2019</a:t>
             </a:fld>
             <a:endParaRPr lang="en-IN"/>
           </a:p>
@@ -474,7 +504,7 @@
           <a:p>
             <a:fld id="{D467275A-F4E5-414A-A2DF-B05C77BEDC62}" type="datetimeFigureOut">
               <a:rPr lang="en-IN" smtClean="0"/>
-              <a:t>15-05-2019</a:t>
+              <a:t>22-05-2019</a:t>
             </a:fld>
             <a:endParaRPr lang="en-IN"/>
           </a:p>
@@ -684,7 +714,7 @@
           <a:p>
             <a:fld id="{D467275A-F4E5-414A-A2DF-B05C77BEDC62}" type="datetimeFigureOut">
               <a:rPr lang="en-IN" smtClean="0"/>
-              <a:t>15-05-2019</a:t>
+              <a:t>22-05-2019</a:t>
             </a:fld>
             <a:endParaRPr lang="en-IN"/>
           </a:p>
@@ -884,7 +914,7 @@
           <a:p>
             <a:fld id="{D467275A-F4E5-414A-A2DF-B05C77BEDC62}" type="datetimeFigureOut">
               <a:rPr lang="en-IN" smtClean="0"/>
-              <a:t>15-05-2019</a:t>
+              <a:t>22-05-2019</a:t>
             </a:fld>
             <a:endParaRPr lang="en-IN"/>
           </a:p>
@@ -1160,7 +1190,7 @@
           <a:p>
             <a:fld id="{D467275A-F4E5-414A-A2DF-B05C77BEDC62}" type="datetimeFigureOut">
               <a:rPr lang="en-IN" smtClean="0"/>
-              <a:t>15-05-2019</a:t>
+              <a:t>22-05-2019</a:t>
             </a:fld>
             <a:endParaRPr lang="en-IN"/>
           </a:p>
@@ -1428,7 +1458,7 @@
           <a:p>
             <a:fld id="{D467275A-F4E5-414A-A2DF-B05C77BEDC62}" type="datetimeFigureOut">
               <a:rPr lang="en-IN" smtClean="0"/>
-              <a:t>15-05-2019</a:t>
+              <a:t>22-05-2019</a:t>
             </a:fld>
             <a:endParaRPr lang="en-IN"/>
           </a:p>
@@ -1843,7 +1873,7 @@
           <a:p>
             <a:fld id="{D467275A-F4E5-414A-A2DF-B05C77BEDC62}" type="datetimeFigureOut">
               <a:rPr lang="en-IN" smtClean="0"/>
-              <a:t>15-05-2019</a:t>
+              <a:t>22-05-2019</a:t>
             </a:fld>
             <a:endParaRPr lang="en-IN"/>
           </a:p>
@@ -1985,7 +2015,7 @@
           <a:p>
             <a:fld id="{D467275A-F4E5-414A-A2DF-B05C77BEDC62}" type="datetimeFigureOut">
               <a:rPr lang="en-IN" smtClean="0"/>
-              <a:t>15-05-2019</a:t>
+              <a:t>22-05-2019</a:t>
             </a:fld>
             <a:endParaRPr lang="en-IN"/>
           </a:p>
@@ -2098,7 +2128,7 @@
           <a:p>
             <a:fld id="{D467275A-F4E5-414A-A2DF-B05C77BEDC62}" type="datetimeFigureOut">
               <a:rPr lang="en-IN" smtClean="0"/>
-              <a:t>15-05-2019</a:t>
+              <a:t>22-05-2019</a:t>
             </a:fld>
             <a:endParaRPr lang="en-IN"/>
           </a:p>
@@ -2411,7 +2441,7 @@
           <a:p>
             <a:fld id="{D467275A-F4E5-414A-A2DF-B05C77BEDC62}" type="datetimeFigureOut">
               <a:rPr lang="en-IN" smtClean="0"/>
-              <a:t>15-05-2019</a:t>
+              <a:t>22-05-2019</a:t>
             </a:fld>
             <a:endParaRPr lang="en-IN"/>
           </a:p>
@@ -2700,7 +2730,7 @@
           <a:p>
             <a:fld id="{D467275A-F4E5-414A-A2DF-B05C77BEDC62}" type="datetimeFigureOut">
               <a:rPr lang="en-IN" smtClean="0"/>
-              <a:t>15-05-2019</a:t>
+              <a:t>22-05-2019</a:t>
             </a:fld>
             <a:endParaRPr lang="en-IN"/>
           </a:p>
@@ -2943,7 +2973,7 @@
           <a:p>
             <a:fld id="{D467275A-F4E5-414A-A2DF-B05C77BEDC62}" type="datetimeFigureOut">
               <a:rPr lang="en-IN" smtClean="0"/>
-              <a:t>15-05-2019</a:t>
+              <a:t>22-05-2019</a:t>
             </a:fld>
             <a:endParaRPr lang="en-IN"/>
           </a:p>
@@ -3606,39 +3636,7 @@
                   <a:srgbClr val="000000"/>
                 </a:solidFill>
               </a:rPr>
-              <a:t>Shreyas </a:t>
-            </a:r>
-            <a:r>
-              <a:rPr lang="en-US" sz="2000" dirty="0" err="1">
-                <a:solidFill>
-                  <a:srgbClr val="000000"/>
-                </a:solidFill>
-              </a:rPr>
-              <a:t>Walvekar</a:t>
-            </a:r>
-            <a:r>
-              <a:rPr lang="en-US" sz="2000" dirty="0">
-                <a:solidFill>
-                  <a:srgbClr val="000000"/>
-                </a:solidFill>
-              </a:rPr>
-              <a:t> 	</a:t>
-            </a:r>
-            <a:r>
-              <a:rPr lang="en-US" sz="2000">
-                <a:solidFill>
-                  <a:srgbClr val="000000"/>
-                </a:solidFill>
-              </a:rPr>
-              <a:t>		- </a:t>
-            </a:r>
-            <a:r>
-              <a:rPr lang="en-US" sz="2000" dirty="0">
-                <a:solidFill>
-                  <a:srgbClr val="000000"/>
-                </a:solidFill>
-              </a:rPr>
-              <a:t>swalvekar@student.unimelb.edu.au</a:t>
+              <a:t>Shreyas Walvekar 			- swalvekar@student.unimelb.edu.au</a:t>
             </a:r>
           </a:p>
           <a:p>
@@ -3714,6 +3712,978 @@
     <p:extLst>
       <p:ext uri="{BB962C8B-B14F-4D97-AF65-F5344CB8AC3E}">
         <p14:creationId xmlns:p14="http://schemas.microsoft.com/office/powerpoint/2010/main" val="3586931834"/>
+      </p:ext>
+    </p:extLst>
+  </p:cSld>
+  <p:clrMapOvr>
+    <a:masterClrMapping/>
+  </p:clrMapOvr>
+</p:sld>
+</file>
+
+<file path=ppt/slides/slide10.xml><?xml version="1.0" encoding="utf-8"?>
+<p:sld xmlns:a="http://schemas.openxmlformats.org/drawingml/2006/main" xmlns:r="http://schemas.openxmlformats.org/officeDocument/2006/relationships" xmlns:p="http://schemas.openxmlformats.org/presentationml/2006/main">
+  <p:cSld>
+    <p:spTree>
+      <p:nvGrpSpPr>
+        <p:cNvPr id="1" name=""/>
+        <p:cNvGrpSpPr/>
+        <p:nvPr/>
+      </p:nvGrpSpPr>
+      <p:grpSpPr>
+        <a:xfrm>
+          <a:off x="0" y="0"/>
+          <a:ext cx="0" cy="0"/>
+          <a:chOff x="0" y="0"/>
+          <a:chExt cx="0" cy="0"/>
+        </a:xfrm>
+      </p:grpSpPr>
+      <p:sp>
+        <p:nvSpPr>
+          <p:cNvPr id="4" name="Rectangle 3">
+            <a:extLst>
+              <a:ext uri="{FF2B5EF4-FFF2-40B4-BE49-F238E27FC236}">
+                <a16:creationId xmlns:a16="http://schemas.microsoft.com/office/drawing/2014/main" id="{56EB566E-AD6A-43DE-853B-F998B0CDD1A3}"/>
+              </a:ext>
+            </a:extLst>
+          </p:cNvPr>
+          <p:cNvSpPr/>
+          <p:nvPr/>
+        </p:nvSpPr>
+        <p:spPr>
+          <a:xfrm>
+            <a:off x="5387591" y="3244334"/>
+            <a:ext cx="1416818" cy="369332"/>
+          </a:xfrm>
+          <a:prstGeom prst="rect">
+            <a:avLst/>
+          </a:prstGeom>
+        </p:spPr>
+        <p:txBody>
+          <a:bodyPr wrap="square">
+            <a:spAutoFit/>
+          </a:bodyPr>
+          <a:lstStyle/>
+          <a:p>
+            <a:r>
+              <a:rPr lang="en-US" dirty="0">
+                <a:hlinkClick r:id="rId2"/>
+              </a:rPr>
+              <a:t>Classification</a:t>
+            </a:r>
+            <a:endParaRPr lang="en-US" dirty="0"/>
+          </a:p>
+        </p:txBody>
+      </p:sp>
+    </p:spTree>
+    <p:extLst>
+      <p:ext uri="{BB962C8B-B14F-4D97-AF65-F5344CB8AC3E}">
+        <p14:creationId xmlns:p14="http://schemas.microsoft.com/office/powerpoint/2010/main" val="2126679333"/>
+      </p:ext>
+    </p:extLst>
+  </p:cSld>
+  <p:clrMapOvr>
+    <a:masterClrMapping/>
+  </p:clrMapOvr>
+</p:sld>
+</file>
+
+<file path=ppt/slides/slide11.xml><?xml version="1.0" encoding="utf-8"?>
+<p:sld xmlns:a="http://schemas.openxmlformats.org/drawingml/2006/main" xmlns:r="http://schemas.openxmlformats.org/officeDocument/2006/relationships" xmlns:p="http://schemas.openxmlformats.org/presentationml/2006/main">
+  <p:cSld>
+    <p:bg>
+      <p:bgPr>
+        <a:solidFill>
+          <a:schemeClr val="bg1"/>
+        </a:solidFill>
+        <a:effectLst/>
+      </p:bgPr>
+    </p:bg>
+    <p:spTree>
+      <p:nvGrpSpPr>
+        <p:cNvPr id="1" name=""/>
+        <p:cNvGrpSpPr/>
+        <p:nvPr/>
+      </p:nvGrpSpPr>
+      <p:grpSpPr>
+        <a:xfrm>
+          <a:off x="0" y="0"/>
+          <a:ext cx="0" cy="0"/>
+          <a:chOff x="0" y="0"/>
+          <a:chExt cx="0" cy="0"/>
+        </a:xfrm>
+      </p:grpSpPr>
+      <p:pic>
+        <p:nvPicPr>
+          <p:cNvPr id="7" name="Content Placeholder 3">
+            <a:extLst>
+              <a:ext uri="{FF2B5EF4-FFF2-40B4-BE49-F238E27FC236}">
+                <a16:creationId xmlns:a16="http://schemas.microsoft.com/office/drawing/2014/main" id="{92FEF6CA-63E6-4768-928C-85D66B9FA951}"/>
+              </a:ext>
+            </a:extLst>
+          </p:cNvPr>
+          <p:cNvPicPr>
+            <a:picLocks noGrp="1" noChangeAspect="1"/>
+          </p:cNvPicPr>
+          <p:nvPr>
+            <p:ph idx="1"/>
+          </p:nvPr>
+        </p:nvPicPr>
+        <p:blipFill>
+          <a:blip r:embed="rId2"/>
+          <a:stretch>
+            <a:fillRect/>
+          </a:stretch>
+        </p:blipFill>
+        <p:spPr>
+          <a:xfrm>
+            <a:off x="653142" y="688314"/>
+            <a:ext cx="10885715" cy="5878286"/>
+          </a:xfrm>
+          <a:prstGeom prst="rect">
+            <a:avLst/>
+          </a:prstGeom>
+        </p:spPr>
+      </p:pic>
+      <p:pic>
+        <p:nvPicPr>
+          <p:cNvPr id="5" name="Picture 4">
+            <a:extLst>
+              <a:ext uri="{FF2B5EF4-FFF2-40B4-BE49-F238E27FC236}">
+                <a16:creationId xmlns:a16="http://schemas.microsoft.com/office/drawing/2014/main" id="{F3C1269A-D5A9-48AA-AB0D-687C5A393F93}"/>
+              </a:ext>
+            </a:extLst>
+          </p:cNvPr>
+          <p:cNvPicPr>
+            <a:picLocks noChangeAspect="1"/>
+          </p:cNvPicPr>
+          <p:nvPr/>
+        </p:nvPicPr>
+        <p:blipFill>
+          <a:blip r:embed="rId3"/>
+          <a:stretch>
+            <a:fillRect/>
+          </a:stretch>
+        </p:blipFill>
+        <p:spPr>
+          <a:xfrm>
+            <a:off x="3151611" y="291400"/>
+            <a:ext cx="5888778" cy="1123856"/>
+          </a:xfrm>
+          <a:prstGeom prst="rect">
+            <a:avLst/>
+          </a:prstGeom>
+        </p:spPr>
+      </p:pic>
+    </p:spTree>
+    <p:extLst>
+      <p:ext uri="{BB962C8B-B14F-4D97-AF65-F5344CB8AC3E}">
+        <p14:creationId xmlns:p14="http://schemas.microsoft.com/office/powerpoint/2010/main" val="3816720329"/>
+      </p:ext>
+    </p:extLst>
+  </p:cSld>
+  <p:clrMapOvr>
+    <a:masterClrMapping/>
+  </p:clrMapOvr>
+</p:sld>
+</file>
+
+<file path=ppt/slides/slide12.xml><?xml version="1.0" encoding="utf-8"?>
+<p:sld xmlns:a="http://schemas.openxmlformats.org/drawingml/2006/main" xmlns:r="http://schemas.openxmlformats.org/officeDocument/2006/relationships" xmlns:p="http://schemas.openxmlformats.org/presentationml/2006/main">
+  <p:cSld>
+    <p:bg>
+      <p:bgPr>
+        <a:solidFill>
+          <a:schemeClr val="bg1"/>
+        </a:solidFill>
+        <a:effectLst/>
+      </p:bgPr>
+    </p:bg>
+    <p:spTree>
+      <p:nvGrpSpPr>
+        <p:cNvPr id="1" name=""/>
+        <p:cNvGrpSpPr/>
+        <p:nvPr/>
+      </p:nvGrpSpPr>
+      <p:grpSpPr>
+        <a:xfrm>
+          <a:off x="0" y="0"/>
+          <a:ext cx="0" cy="0"/>
+          <a:chOff x="0" y="0"/>
+          <a:chExt cx="0" cy="0"/>
+        </a:xfrm>
+      </p:grpSpPr>
+      <p:pic>
+        <p:nvPicPr>
+          <p:cNvPr id="7" name="Content Placeholder 3">
+            <a:extLst>
+              <a:ext uri="{FF2B5EF4-FFF2-40B4-BE49-F238E27FC236}">
+                <a16:creationId xmlns:a16="http://schemas.microsoft.com/office/drawing/2014/main" id="{6A02C868-35E6-4462-A909-B71A2A9D3347}"/>
+              </a:ext>
+            </a:extLst>
+          </p:cNvPr>
+          <p:cNvPicPr>
+            <a:picLocks noGrp="1" noChangeAspect="1"/>
+          </p:cNvPicPr>
+          <p:nvPr>
+            <p:ph idx="1"/>
+          </p:nvPr>
+        </p:nvPicPr>
+        <p:blipFill>
+          <a:blip r:embed="rId2"/>
+          <a:stretch>
+            <a:fillRect/>
+          </a:stretch>
+        </p:blipFill>
+        <p:spPr>
+          <a:xfrm>
+            <a:off x="643467" y="988991"/>
+            <a:ext cx="10905066" cy="4880016"/>
+          </a:xfrm>
+          <a:prstGeom prst="rect">
+            <a:avLst/>
+          </a:prstGeom>
+        </p:spPr>
+      </p:pic>
+    </p:spTree>
+    <p:extLst>
+      <p:ext uri="{BB962C8B-B14F-4D97-AF65-F5344CB8AC3E}">
+        <p14:creationId xmlns:p14="http://schemas.microsoft.com/office/powerpoint/2010/main" val="1614219553"/>
+      </p:ext>
+    </p:extLst>
+  </p:cSld>
+  <p:clrMapOvr>
+    <a:masterClrMapping/>
+  </p:clrMapOvr>
+</p:sld>
+</file>
+
+<file path=ppt/slides/slide13.xml><?xml version="1.0" encoding="utf-8"?>
+<p:sld xmlns:a="http://schemas.openxmlformats.org/drawingml/2006/main" xmlns:r="http://schemas.openxmlformats.org/officeDocument/2006/relationships" xmlns:p="http://schemas.openxmlformats.org/presentationml/2006/main">
+  <p:cSld>
+    <p:spTree>
+      <p:nvGrpSpPr>
+        <p:cNvPr id="1" name=""/>
+        <p:cNvGrpSpPr/>
+        <p:nvPr/>
+      </p:nvGrpSpPr>
+      <p:grpSpPr>
+        <a:xfrm>
+          <a:off x="0" y="0"/>
+          <a:ext cx="0" cy="0"/>
+          <a:chOff x="0" y="0"/>
+          <a:chExt cx="0" cy="0"/>
+        </a:xfrm>
+      </p:grpSpPr>
+      <p:sp>
+        <p:nvSpPr>
+          <p:cNvPr id="2" name="Title 1">
+            <a:extLst>
+              <a:ext uri="{FF2B5EF4-FFF2-40B4-BE49-F238E27FC236}">
+                <a16:creationId xmlns:a16="http://schemas.microsoft.com/office/drawing/2014/main" id="{D1E56EC4-3C20-459A-8804-A69A917B87F9}"/>
+              </a:ext>
+            </a:extLst>
+          </p:cNvPr>
+          <p:cNvSpPr>
+            <a:spLocks noGrp="1"/>
+          </p:cNvSpPr>
+          <p:nvPr>
+            <p:ph type="title"/>
+          </p:nvPr>
+        </p:nvSpPr>
+        <p:spPr/>
+        <p:txBody>
+          <a:bodyPr/>
+          <a:lstStyle/>
+          <a:p>
+            <a:endParaRPr lang="en-US"/>
+          </a:p>
+        </p:txBody>
+      </p:sp>
+      <p:sp>
+        <p:nvSpPr>
+          <p:cNvPr id="3" name="Content Placeholder 2">
+            <a:extLst>
+              <a:ext uri="{FF2B5EF4-FFF2-40B4-BE49-F238E27FC236}">
+                <a16:creationId xmlns:a16="http://schemas.microsoft.com/office/drawing/2014/main" id="{004289AC-18F5-486F-A88C-8C1A404D1DFD}"/>
+              </a:ext>
+            </a:extLst>
+          </p:cNvPr>
+          <p:cNvSpPr>
+            <a:spLocks noGrp="1"/>
+          </p:cNvSpPr>
+          <p:nvPr>
+            <p:ph idx="1"/>
+          </p:nvPr>
+        </p:nvSpPr>
+        <p:spPr/>
+        <p:txBody>
+          <a:bodyPr/>
+          <a:lstStyle/>
+          <a:p>
+            <a:endParaRPr lang="en-US"/>
+          </a:p>
+        </p:txBody>
+      </p:sp>
+      <p:pic>
+        <p:nvPicPr>
+          <p:cNvPr id="4" name="Picture 3">
+            <a:extLst>
+              <a:ext uri="{FF2B5EF4-FFF2-40B4-BE49-F238E27FC236}">
+                <a16:creationId xmlns:a16="http://schemas.microsoft.com/office/drawing/2014/main" id="{5396D568-F78F-47B2-A550-1C691EF50FC1}"/>
+              </a:ext>
+            </a:extLst>
+          </p:cNvPr>
+          <p:cNvPicPr>
+            <a:picLocks noChangeAspect="1"/>
+          </p:cNvPicPr>
+          <p:nvPr/>
+        </p:nvPicPr>
+        <p:blipFill>
+          <a:blip r:embed="rId2"/>
+          <a:stretch>
+            <a:fillRect/>
+          </a:stretch>
+        </p:blipFill>
+        <p:spPr>
+          <a:xfrm>
+            <a:off x="79003" y="0"/>
+            <a:ext cx="12033993" cy="6858000"/>
+          </a:xfrm>
+          <a:prstGeom prst="rect">
+            <a:avLst/>
+          </a:prstGeom>
+        </p:spPr>
+      </p:pic>
+    </p:spTree>
+    <p:extLst>
+      <p:ext uri="{BB962C8B-B14F-4D97-AF65-F5344CB8AC3E}">
+        <p14:creationId xmlns:p14="http://schemas.microsoft.com/office/powerpoint/2010/main" val="3890630928"/>
+      </p:ext>
+    </p:extLst>
+  </p:cSld>
+  <p:clrMapOvr>
+    <a:masterClrMapping/>
+  </p:clrMapOvr>
+</p:sld>
+</file>
+
+<file path=ppt/slides/slide14.xml><?xml version="1.0" encoding="utf-8"?>
+<p:sld xmlns:a="http://schemas.openxmlformats.org/drawingml/2006/main" xmlns:r="http://schemas.openxmlformats.org/officeDocument/2006/relationships" xmlns:p="http://schemas.openxmlformats.org/presentationml/2006/main">
+  <p:cSld>
+    <p:bg>
+      <p:bgPr>
+        <a:solidFill>
+          <a:schemeClr val="bg1"/>
+        </a:solidFill>
+        <a:effectLst/>
+      </p:bgPr>
+    </p:bg>
+    <p:spTree>
+      <p:nvGrpSpPr>
+        <p:cNvPr id="1" name=""/>
+        <p:cNvGrpSpPr/>
+        <p:nvPr/>
+      </p:nvGrpSpPr>
+      <p:grpSpPr>
+        <a:xfrm>
+          <a:off x="0" y="0"/>
+          <a:ext cx="0" cy="0"/>
+          <a:chOff x="0" y="0"/>
+          <a:chExt cx="0" cy="0"/>
+        </a:xfrm>
+      </p:grpSpPr>
+      <p:sp useBgFill="1">
+        <p:nvSpPr>
+          <p:cNvPr id="8" name="Rectangle 7">
+            <a:extLst>
+              <a:ext uri="{FF2B5EF4-FFF2-40B4-BE49-F238E27FC236}">
+                <a16:creationId xmlns:a16="http://schemas.microsoft.com/office/drawing/2014/main" id="{3B854194-185D-494D-905C-7C7CB2E30F6E}"/>
+              </a:ext>
+              <a:ext uri="{C183D7F6-B498-43B3-948B-1728B52AA6E4}">
+                <adec:decorative xmlns:adec="http://schemas.microsoft.com/office/drawing/2017/decorative" val="1"/>
+              </a:ext>
+            </a:extLst>
+          </p:cNvPr>
+          <p:cNvSpPr>
+            <a:spLocks noGrp="1" noRot="1" noChangeAspect="1" noMove="1" noResize="1" noEditPoints="1" noAdjustHandles="1" noChangeArrowheads="1" noChangeShapeType="1" noTextEdit="1"/>
+          </p:cNvSpPr>
+          <p:nvPr>
+            <p:extLst>
+              <p:ext uri="{386F3935-93C4-4BCD-93E2-E3B085C9AB24}">
+                <p16:designElem xmlns:p16="http://schemas.microsoft.com/office/powerpoint/2015/main" val="1"/>
+              </p:ext>
+            </p:extLst>
+          </p:nvPr>
+        </p:nvSpPr>
+        <p:spPr>
+          <a:xfrm>
+            <a:off x="1" y="0"/>
+            <a:ext cx="6082110" cy="6858000"/>
+          </a:xfrm>
+          <a:prstGeom prst="rect">
+            <a:avLst/>
+          </a:prstGeom>
+          <a:ln>
+            <a:noFill/>
+          </a:ln>
+        </p:spPr>
+        <p:style>
+          <a:lnRef idx="2">
+            <a:schemeClr val="accent1">
+              <a:shade val="50000"/>
+            </a:schemeClr>
+          </a:lnRef>
+          <a:fillRef idx="1">
+            <a:schemeClr val="accent1"/>
+          </a:fillRef>
+          <a:effectRef idx="0">
+            <a:schemeClr val="accent1"/>
+          </a:effectRef>
+          <a:fontRef idx="minor">
+            <a:schemeClr val="lt1"/>
+          </a:fontRef>
+        </p:style>
+        <p:txBody>
+          <a:bodyPr rtlCol="0" anchor="ctr"/>
+          <a:lstStyle/>
+          <a:p>
+            <a:pPr algn="ctr"/>
+            <a:endParaRPr lang="en-US"/>
+          </a:p>
+        </p:txBody>
+      </p:sp>
+      <p:sp>
+        <p:nvSpPr>
+          <p:cNvPr id="10" name="Rectangle 9">
+            <a:extLst>
+              <a:ext uri="{FF2B5EF4-FFF2-40B4-BE49-F238E27FC236}">
+                <a16:creationId xmlns:a16="http://schemas.microsoft.com/office/drawing/2014/main" id="{B4F5FA0D-0104-4987-8241-EFF7C85B88DE}"/>
+              </a:ext>
+              <a:ext uri="{C183D7F6-B498-43B3-948B-1728B52AA6E4}">
+                <adec:decorative xmlns:adec="http://schemas.microsoft.com/office/drawing/2017/decorative" val="1"/>
+              </a:ext>
+            </a:extLst>
+          </p:cNvPr>
+          <p:cNvSpPr>
+            <a:spLocks noGrp="1" noRot="1" noChangeAspect="1" noMove="1" noResize="1" noEditPoints="1" noAdjustHandles="1" noChangeArrowheads="1" noChangeShapeType="1" noTextEdit="1"/>
+          </p:cNvSpPr>
+          <p:nvPr>
+            <p:extLst>
+              <p:ext uri="{386F3935-93C4-4BCD-93E2-E3B085C9AB24}">
+                <p16:designElem xmlns:p16="http://schemas.microsoft.com/office/powerpoint/2015/main" val="1"/>
+              </p:ext>
+            </p:extLst>
+          </p:nvPr>
+        </p:nvSpPr>
+        <p:spPr>
+          <a:xfrm>
+            <a:off x="1" y="0"/>
+            <a:ext cx="12191998" cy="6858000"/>
+          </a:xfrm>
+          <a:prstGeom prst="rect">
+            <a:avLst/>
+          </a:prstGeom>
+          <a:gradFill>
+            <a:gsLst>
+              <a:gs pos="0">
+                <a:schemeClr val="accent1">
+                  <a:lumMod val="90000"/>
+                </a:schemeClr>
+              </a:gs>
+              <a:gs pos="25000">
+                <a:schemeClr val="accent1">
+                  <a:lumMod val="90000"/>
+                </a:schemeClr>
+              </a:gs>
+              <a:gs pos="94000">
+                <a:schemeClr val="bg2">
+                  <a:lumMod val="25000"/>
+                </a:schemeClr>
+              </a:gs>
+              <a:gs pos="100000">
+                <a:schemeClr val="bg2">
+                  <a:lumMod val="25000"/>
+                </a:schemeClr>
+              </a:gs>
+            </a:gsLst>
+            <a:lin ang="4200000" scaled="0"/>
+          </a:gradFill>
+          <a:ln>
+            <a:noFill/>
+          </a:ln>
+        </p:spPr>
+        <p:style>
+          <a:lnRef idx="2">
+            <a:schemeClr val="accent1">
+              <a:shade val="50000"/>
+            </a:schemeClr>
+          </a:lnRef>
+          <a:fillRef idx="1">
+            <a:schemeClr val="accent1"/>
+          </a:fillRef>
+          <a:effectRef idx="0">
+            <a:schemeClr val="accent1"/>
+          </a:effectRef>
+          <a:fontRef idx="minor">
+            <a:schemeClr val="lt1"/>
+          </a:fontRef>
+        </p:style>
+        <p:txBody>
+          <a:bodyPr rtlCol="0" anchor="ctr"/>
+          <a:lstStyle/>
+          <a:p>
+            <a:pPr algn="ctr"/>
+            <a:endParaRPr lang="en-US"/>
+          </a:p>
+        </p:txBody>
+      </p:sp>
+      <p:pic>
+        <p:nvPicPr>
+          <p:cNvPr id="12" name="Picture 11">
+            <a:extLst>
+              <a:ext uri="{FF2B5EF4-FFF2-40B4-BE49-F238E27FC236}">
+                <a16:creationId xmlns:a16="http://schemas.microsoft.com/office/drawing/2014/main" id="{2897127E-6CEF-446C-BE87-93B7C46E49D1}"/>
+              </a:ext>
+              <a:ext uri="{C183D7F6-B498-43B3-948B-1728B52AA6E4}">
+                <adec:decorative xmlns:adec="http://schemas.microsoft.com/office/drawing/2017/decorative" val="1"/>
+              </a:ext>
+            </a:extLst>
+          </p:cNvPr>
+          <p:cNvPicPr>
+            <a:picLocks noGrp="1" noRot="1" noChangeAspect="1" noMove="1" noResize="1" noEditPoints="1" noAdjustHandles="1" noChangeArrowheads="1" noChangeShapeType="1" noCrop="1"/>
+          </p:cNvPicPr>
+          <p:nvPr>
+            <p:extLst>
+              <p:ext uri="{386F3935-93C4-4BCD-93E2-E3B085C9AB24}">
+                <p16:designElem xmlns:p16="http://schemas.microsoft.com/office/powerpoint/2015/main" val="1"/>
+              </p:ext>
+            </p:extLst>
+          </p:nvPr>
+        </p:nvPicPr>
+        <p:blipFill>
+          <a:blip r:embed="rId2">
+            <a:extLst>
+              <a:ext uri="{28A0092B-C50C-407E-A947-70E740481C1C}">
+                <a14:useLocalDpi xmlns:a14="http://schemas.microsoft.com/office/drawing/2010/main" val="0"/>
+              </a:ext>
+            </a:extLst>
+          </a:blip>
+          <a:stretch>
+            <a:fillRect/>
+          </a:stretch>
+        </p:blipFill>
+        <p:spPr>
+          <a:xfrm>
+            <a:off x="0" y="0"/>
+            <a:ext cx="12192000" cy="6858000"/>
+          </a:xfrm>
+          <a:prstGeom prst="rect">
+            <a:avLst/>
+          </a:prstGeom>
+        </p:spPr>
+      </p:pic>
+      <p:sp>
+        <p:nvSpPr>
+          <p:cNvPr id="2" name="Title 1">
+            <a:extLst>
+              <a:ext uri="{FF2B5EF4-FFF2-40B4-BE49-F238E27FC236}">
+                <a16:creationId xmlns:a16="http://schemas.microsoft.com/office/drawing/2014/main" id="{C8AA252D-A064-49C7-8150-96E9DCBEA2E7}"/>
+              </a:ext>
+            </a:extLst>
+          </p:cNvPr>
+          <p:cNvSpPr>
+            <a:spLocks noGrp="1"/>
+          </p:cNvSpPr>
+          <p:nvPr>
+            <p:ph type="title"/>
+          </p:nvPr>
+        </p:nvSpPr>
+        <p:spPr>
+          <a:xfrm>
+            <a:off x="640079" y="2053641"/>
+            <a:ext cx="3669161" cy="2760098"/>
+          </a:xfrm>
+        </p:spPr>
+        <p:txBody>
+          <a:bodyPr>
+            <a:normAutofit/>
+          </a:bodyPr>
+          <a:lstStyle/>
+          <a:p>
+            <a:r>
+              <a:rPr lang="en-US">
+                <a:solidFill>
+                  <a:srgbClr val="FFFFFF"/>
+                </a:solidFill>
+              </a:rPr>
+              <a:t>Aggregate Data</a:t>
+            </a:r>
+          </a:p>
+        </p:txBody>
+      </p:sp>
+      <p:pic>
+        <p:nvPicPr>
+          <p:cNvPr id="7" name="Content Placeholder 6">
+            <a:extLst>
+              <a:ext uri="{FF2B5EF4-FFF2-40B4-BE49-F238E27FC236}">
+                <a16:creationId xmlns:a16="http://schemas.microsoft.com/office/drawing/2014/main" id="{34EB9DAE-A46F-4752-85F9-FE848CBC8479}"/>
+              </a:ext>
+            </a:extLst>
+          </p:cNvPr>
+          <p:cNvPicPr>
+            <a:picLocks noGrp="1" noChangeAspect="1"/>
+          </p:cNvPicPr>
+          <p:nvPr>
+            <p:ph idx="1"/>
+          </p:nvPr>
+        </p:nvPicPr>
+        <p:blipFill>
+          <a:blip r:embed="rId3"/>
+          <a:stretch>
+            <a:fillRect/>
+          </a:stretch>
+        </p:blipFill>
+        <p:spPr>
+          <a:xfrm>
+            <a:off x="6291697" y="270764"/>
+            <a:ext cx="5690715" cy="6316472"/>
+          </a:xfrm>
+          <a:prstGeom prst="rect">
+            <a:avLst/>
+          </a:prstGeom>
+        </p:spPr>
+      </p:pic>
+    </p:spTree>
+    <p:extLst>
+      <p:ext uri="{BB962C8B-B14F-4D97-AF65-F5344CB8AC3E}">
+        <p14:creationId xmlns:p14="http://schemas.microsoft.com/office/powerpoint/2010/main" val="3502241432"/>
+      </p:ext>
+    </p:extLst>
+  </p:cSld>
+  <p:clrMapOvr>
+    <a:masterClrMapping/>
+  </p:clrMapOvr>
+</p:sld>
+</file>
+
+<file path=ppt/slides/slide15.xml><?xml version="1.0" encoding="utf-8"?>
+<p:sld xmlns:a="http://schemas.openxmlformats.org/drawingml/2006/main" xmlns:r="http://schemas.openxmlformats.org/officeDocument/2006/relationships" xmlns:p="http://schemas.openxmlformats.org/presentationml/2006/main">
+  <p:cSld>
+    <p:spTree>
+      <p:nvGrpSpPr>
+        <p:cNvPr id="1" name=""/>
+        <p:cNvGrpSpPr/>
+        <p:nvPr/>
+      </p:nvGrpSpPr>
+      <p:grpSpPr>
+        <a:xfrm>
+          <a:off x="0" y="0"/>
+          <a:ext cx="0" cy="0"/>
+          <a:chOff x="0" y="0"/>
+          <a:chExt cx="0" cy="0"/>
+        </a:xfrm>
+      </p:grpSpPr>
+      <p:sp>
+        <p:nvSpPr>
+          <p:cNvPr id="2" name="Title 1">
+            <a:extLst>
+              <a:ext uri="{FF2B5EF4-FFF2-40B4-BE49-F238E27FC236}">
+                <a16:creationId xmlns:a16="http://schemas.microsoft.com/office/drawing/2014/main" id="{D3BF2A44-6B1B-4313-9694-ABE1500694C1}"/>
+              </a:ext>
+            </a:extLst>
+          </p:cNvPr>
+          <p:cNvSpPr>
+            <a:spLocks noGrp="1"/>
+          </p:cNvSpPr>
+          <p:nvPr>
+            <p:ph type="title"/>
+          </p:nvPr>
+        </p:nvSpPr>
+        <p:spPr>
+          <a:xfrm>
+            <a:off x="838200" y="365125"/>
+            <a:ext cx="10515600" cy="631213"/>
+          </a:xfrm>
+        </p:spPr>
+        <p:txBody>
+          <a:bodyPr>
+            <a:normAutofit fontScale="90000"/>
+          </a:bodyPr>
+          <a:lstStyle/>
+          <a:p>
+            <a:pPr algn="ctr"/>
+            <a:r>
+              <a:rPr lang="en-US" dirty="0"/>
+              <a:t>Instances</a:t>
+            </a:r>
+          </a:p>
+        </p:txBody>
+      </p:sp>
+      <p:sp>
+        <p:nvSpPr>
+          <p:cNvPr id="3" name="Content Placeholder 2">
+            <a:extLst>
+              <a:ext uri="{FF2B5EF4-FFF2-40B4-BE49-F238E27FC236}">
+                <a16:creationId xmlns:a16="http://schemas.microsoft.com/office/drawing/2014/main" id="{FB261CDD-AF05-444E-8116-3843507B3E4A}"/>
+              </a:ext>
+            </a:extLst>
+          </p:cNvPr>
+          <p:cNvSpPr>
+            <a:spLocks noGrp="1"/>
+          </p:cNvSpPr>
+          <p:nvPr>
+            <p:ph idx="1"/>
+          </p:nvPr>
+        </p:nvSpPr>
+        <p:spPr>
+          <a:xfrm>
+            <a:off x="838200" y="1825625"/>
+            <a:ext cx="10515600" cy="4351338"/>
+          </a:xfrm>
+        </p:spPr>
+        <p:txBody>
+          <a:bodyPr/>
+          <a:lstStyle/>
+          <a:p>
+            <a:endParaRPr lang="en-US"/>
+          </a:p>
+        </p:txBody>
+      </p:sp>
+      <p:pic>
+        <p:nvPicPr>
+          <p:cNvPr id="4" name="Picture 3">
+            <a:extLst>
+              <a:ext uri="{FF2B5EF4-FFF2-40B4-BE49-F238E27FC236}">
+                <a16:creationId xmlns:a16="http://schemas.microsoft.com/office/drawing/2014/main" id="{9FDBCEAA-0FC5-41CF-9A01-9A3684A1A713}"/>
+              </a:ext>
+            </a:extLst>
+          </p:cNvPr>
+          <p:cNvPicPr>
+            <a:picLocks noChangeAspect="1"/>
+          </p:cNvPicPr>
+          <p:nvPr/>
+        </p:nvPicPr>
+        <p:blipFill>
+          <a:blip r:embed="rId2"/>
+          <a:stretch>
+            <a:fillRect/>
+          </a:stretch>
+        </p:blipFill>
+        <p:spPr>
+          <a:xfrm>
+            <a:off x="0" y="996338"/>
+            <a:ext cx="12192000" cy="5861662"/>
+          </a:xfrm>
+          <a:prstGeom prst="rect">
+            <a:avLst/>
+          </a:prstGeom>
+        </p:spPr>
+      </p:pic>
+    </p:spTree>
+    <p:extLst>
+      <p:ext uri="{BB962C8B-B14F-4D97-AF65-F5344CB8AC3E}">
+        <p14:creationId xmlns:p14="http://schemas.microsoft.com/office/powerpoint/2010/main" val="3212296386"/>
+      </p:ext>
+    </p:extLst>
+  </p:cSld>
+  <p:clrMapOvr>
+    <a:masterClrMapping/>
+  </p:clrMapOvr>
+</p:sld>
+</file>
+
+<file path=ppt/slides/slide16.xml><?xml version="1.0" encoding="utf-8"?>
+<p:sld xmlns:a="http://schemas.openxmlformats.org/drawingml/2006/main" xmlns:r="http://schemas.openxmlformats.org/officeDocument/2006/relationships" xmlns:p="http://schemas.openxmlformats.org/presentationml/2006/main">
+  <p:cSld>
+    <p:bg>
+      <p:bgPr>
+        <a:solidFill>
+          <a:schemeClr val="bg1"/>
+        </a:solidFill>
+        <a:effectLst/>
+      </p:bgPr>
+    </p:bg>
+    <p:spTree>
+      <p:nvGrpSpPr>
+        <p:cNvPr id="1" name=""/>
+        <p:cNvGrpSpPr/>
+        <p:nvPr/>
+      </p:nvGrpSpPr>
+      <p:grpSpPr>
+        <a:xfrm>
+          <a:off x="0" y="0"/>
+          <a:ext cx="0" cy="0"/>
+          <a:chOff x="0" y="0"/>
+          <a:chExt cx="0" cy="0"/>
+        </a:xfrm>
+      </p:grpSpPr>
+      <p:pic>
+        <p:nvPicPr>
+          <p:cNvPr id="7" name="Content Placeholder 3">
+            <a:extLst>
+              <a:ext uri="{FF2B5EF4-FFF2-40B4-BE49-F238E27FC236}">
+                <a16:creationId xmlns:a16="http://schemas.microsoft.com/office/drawing/2014/main" id="{20BD0FED-3D1E-4CD5-AA85-7B765B1B60FA}"/>
+              </a:ext>
+            </a:extLst>
+          </p:cNvPr>
+          <p:cNvPicPr>
+            <a:picLocks noGrp="1" noChangeAspect="1"/>
+          </p:cNvPicPr>
+          <p:nvPr>
+            <p:ph idx="1"/>
+          </p:nvPr>
+        </p:nvPicPr>
+        <p:blipFill>
+          <a:blip r:embed="rId2"/>
+          <a:stretch>
+            <a:fillRect/>
+          </a:stretch>
+        </p:blipFill>
+        <p:spPr>
+          <a:xfrm>
+            <a:off x="1008267" y="643466"/>
+            <a:ext cx="10175466" cy="5571067"/>
+          </a:xfrm>
+          <a:prstGeom prst="rect">
+            <a:avLst/>
+          </a:prstGeom>
+        </p:spPr>
+      </p:pic>
+    </p:spTree>
+    <p:extLst>
+      <p:ext uri="{BB962C8B-B14F-4D97-AF65-F5344CB8AC3E}">
+        <p14:creationId xmlns:p14="http://schemas.microsoft.com/office/powerpoint/2010/main" val="2656858076"/>
+      </p:ext>
+    </p:extLst>
+  </p:cSld>
+  <p:clrMapOvr>
+    <a:masterClrMapping/>
+  </p:clrMapOvr>
+</p:sld>
+</file>
+
+<file path=ppt/slides/slide17.xml><?xml version="1.0" encoding="utf-8"?>
+<p:sld xmlns:a="http://schemas.openxmlformats.org/drawingml/2006/main" xmlns:r="http://schemas.openxmlformats.org/officeDocument/2006/relationships" xmlns:p="http://schemas.openxmlformats.org/presentationml/2006/main">
+  <p:cSld>
+    <p:bg>
+      <p:bgPr>
+        <a:solidFill>
+          <a:schemeClr val="bg1"/>
+        </a:solidFill>
+        <a:effectLst/>
+      </p:bgPr>
+    </p:bg>
+    <p:spTree>
+      <p:nvGrpSpPr>
+        <p:cNvPr id="1" name=""/>
+        <p:cNvGrpSpPr/>
+        <p:nvPr/>
+      </p:nvGrpSpPr>
+      <p:grpSpPr>
+        <a:xfrm>
+          <a:off x="0" y="0"/>
+          <a:ext cx="0" cy="0"/>
+          <a:chOff x="0" y="0"/>
+          <a:chExt cx="0" cy="0"/>
+        </a:xfrm>
+      </p:grpSpPr>
+      <p:pic>
+        <p:nvPicPr>
+          <p:cNvPr id="7" name="Content Placeholder 3">
+            <a:extLst>
+              <a:ext uri="{FF2B5EF4-FFF2-40B4-BE49-F238E27FC236}">
+                <a16:creationId xmlns:a16="http://schemas.microsoft.com/office/drawing/2014/main" id="{93C778F4-A628-4B58-AC41-E4B585925393}"/>
+              </a:ext>
+            </a:extLst>
+          </p:cNvPr>
+          <p:cNvPicPr>
+            <a:picLocks noGrp="1" noChangeAspect="1"/>
+          </p:cNvPicPr>
+          <p:nvPr>
+            <p:ph idx="1"/>
+          </p:nvPr>
+        </p:nvPicPr>
+        <p:blipFill>
+          <a:blip r:embed="rId2"/>
+          <a:stretch>
+            <a:fillRect/>
+          </a:stretch>
+        </p:blipFill>
+        <p:spPr>
+          <a:xfrm>
+            <a:off x="660814" y="643466"/>
+            <a:ext cx="10870372" cy="5571067"/>
+          </a:xfrm>
+          <a:prstGeom prst="rect">
+            <a:avLst/>
+          </a:prstGeom>
+        </p:spPr>
+      </p:pic>
+    </p:spTree>
+    <p:extLst>
+      <p:ext uri="{BB962C8B-B14F-4D97-AF65-F5344CB8AC3E}">
+        <p14:creationId xmlns:p14="http://schemas.microsoft.com/office/powerpoint/2010/main" val="1418638753"/>
+      </p:ext>
+    </p:extLst>
+  </p:cSld>
+  <p:clrMapOvr>
+    <a:masterClrMapping/>
+  </p:clrMapOvr>
+</p:sld>
+</file>
+
+<file path=ppt/slides/slide18.xml><?xml version="1.0" encoding="utf-8"?>
+<p:sld xmlns:a="http://schemas.openxmlformats.org/drawingml/2006/main" xmlns:r="http://schemas.openxmlformats.org/officeDocument/2006/relationships" xmlns:p="http://schemas.openxmlformats.org/presentationml/2006/main">
+  <p:cSld>
+    <p:spTree>
+      <p:nvGrpSpPr>
+        <p:cNvPr id="1" name=""/>
+        <p:cNvGrpSpPr/>
+        <p:nvPr/>
+      </p:nvGrpSpPr>
+      <p:grpSpPr>
+        <a:xfrm>
+          <a:off x="0" y="0"/>
+          <a:ext cx="0" cy="0"/>
+          <a:chOff x="0" y="0"/>
+          <a:chExt cx="0" cy="0"/>
+        </a:xfrm>
+      </p:grpSpPr>
+      <p:pic>
+        <p:nvPicPr>
+          <p:cNvPr id="4" name="Picture 3">
+            <a:extLst>
+              <a:ext uri="{FF2B5EF4-FFF2-40B4-BE49-F238E27FC236}">
+                <a16:creationId xmlns:a16="http://schemas.microsoft.com/office/drawing/2014/main" id="{AD6CC330-481B-4F90-BAD5-671C8A7CF513}"/>
+              </a:ext>
+            </a:extLst>
+          </p:cNvPr>
+          <p:cNvPicPr>
+            <a:picLocks noChangeAspect="1"/>
+          </p:cNvPicPr>
+          <p:nvPr/>
+        </p:nvPicPr>
+        <p:blipFill>
+          <a:blip r:embed="rId2"/>
+          <a:stretch>
+            <a:fillRect/>
+          </a:stretch>
+        </p:blipFill>
+        <p:spPr>
+          <a:xfrm>
+            <a:off x="1198916" y="0"/>
+            <a:ext cx="9794168" cy="6858000"/>
+          </a:xfrm>
+          <a:prstGeom prst="rect">
+            <a:avLst/>
+          </a:prstGeom>
+        </p:spPr>
+      </p:pic>
+    </p:spTree>
+    <p:extLst>
+      <p:ext uri="{BB962C8B-B14F-4D97-AF65-F5344CB8AC3E}">
+        <p14:creationId xmlns:p14="http://schemas.microsoft.com/office/powerpoint/2010/main" val="240011253"/>
       </p:ext>
     </p:extLst>
   </p:cSld>
@@ -3938,8 +4908,8 @@
         </p:nvSpPr>
         <p:spPr>
           <a:xfrm>
-            <a:off x="1179226" y="3092970"/>
-            <a:ext cx="9833548" cy="2693976"/>
+            <a:off x="1179226" y="2327564"/>
+            <a:ext cx="9833548" cy="4054948"/>
           </a:xfrm>
         </p:spPr>
         <p:txBody>
@@ -3957,24 +4927,27 @@
                 <a:solidFill>
                   <a:srgbClr val="000000"/>
                 </a:solidFill>
+                <a:latin typeface="Arial Rounded MT Bold" panose="020F0704030504030204" pitchFamily="34" charset="0"/>
               </a:rPr>
-              <a:t>Cloud based social media data analytic system which will compute the correlation of twitter data with </a:t>
+              <a:t>Cloud based social media data analytic system computes the correlation of twitter data with </a:t>
             </a:r>
             <a:r>
               <a:rPr lang="en-US" sz="2000" dirty="0" err="1">
                 <a:solidFill>
                   <a:srgbClr val="000000"/>
                 </a:solidFill>
+                <a:latin typeface="Arial Rounded MT Bold" panose="020F0704030504030204" pitchFamily="34" charset="0"/>
               </a:rPr>
-              <a:t>aurin</a:t>
+              <a:t>Aurin</a:t>
             </a:r>
             <a:r>
               <a:rPr lang="en-US" sz="2000" dirty="0">
                 <a:solidFill>
                   <a:srgbClr val="000000"/>
                 </a:solidFill>
+                <a:latin typeface="Arial Rounded MT Bold" panose="020F0704030504030204" pitchFamily="34" charset="0"/>
               </a:rPr>
-              <a:t> and categorize that into one of the seven deadly sins(Wrath).</a:t>
+              <a:t> and helps us understand the impact of a TV Show on crime.</a:t>
             </a:r>
           </a:p>
           <a:p>
@@ -3987,22 +4960,9 @@
                 <a:solidFill>
                   <a:srgbClr val="000000"/>
                 </a:solidFill>
+                <a:latin typeface="Arial Rounded MT Bold" panose="020F0704030504030204" pitchFamily="34" charset="0"/>
               </a:rPr>
-              <a:t>Hypothesis: </a:t>
-            </a:r>
-          </a:p>
-          <a:p>
-            <a:pPr marL="800100" lvl="1" indent="-228600" algn="l">
-              <a:buFont typeface="Arial" panose="020B0604020202020204" pitchFamily="34" charset="0"/>
-              <a:buChar char="•"/>
-            </a:pPr>
-            <a:r>
-              <a:rPr lang="en-US" dirty="0">
-                <a:solidFill>
-                  <a:srgbClr val="000000"/>
-                </a:solidFill>
-              </a:rPr>
-              <a:t>There is a correlation between the portrayal of violence in mass media like game of thrones and the amount of violence, aggression and the transpiration of germane crimes in the real-world </a:t>
+              <a:t>Hypothesis:</a:t>
             </a:r>
           </a:p>
           <a:p>
@@ -4014,7 +4974,135 @@
               <a:solidFill>
                 <a:srgbClr val="000000"/>
               </a:solidFill>
+              <a:latin typeface="Arial Rounded MT Bold" panose="020F0704030504030204" pitchFamily="34" charset="0"/>
             </a:endParaRPr>
+          </a:p>
+          <a:p>
+            <a:pPr marL="342900" indent="-228600" algn="l">
+              <a:buFont typeface="Arial" panose="020B0604020202020204" pitchFamily="34" charset="0"/>
+              <a:buChar char="•"/>
+            </a:pPr>
+            <a:endParaRPr lang="en-US" sz="2000" dirty="0">
+              <a:solidFill>
+                <a:srgbClr val="000000"/>
+              </a:solidFill>
+              <a:latin typeface="Arial Rounded MT Bold" panose="020F0704030504030204" pitchFamily="34" charset="0"/>
+            </a:endParaRPr>
+          </a:p>
+          <a:p>
+            <a:pPr marL="114300" algn="l"/>
+            <a:endParaRPr lang="en-US" sz="2000" dirty="0">
+              <a:solidFill>
+                <a:srgbClr val="000000"/>
+              </a:solidFill>
+              <a:latin typeface="Arial Rounded MT Bold" panose="020F0704030504030204" pitchFamily="34" charset="0"/>
+            </a:endParaRPr>
+          </a:p>
+          <a:p>
+            <a:pPr marL="342900" indent="-228600" algn="l">
+              <a:buFont typeface="Arial" panose="020B0604020202020204" pitchFamily="34" charset="0"/>
+              <a:buChar char="•"/>
+            </a:pPr>
+            <a:r>
+              <a:rPr lang="en-US" sz="2000" dirty="0">
+                <a:solidFill>
+                  <a:srgbClr val="000000"/>
+                </a:solidFill>
+                <a:latin typeface="Arial Rounded MT Bold" panose="020F0704030504030204" pitchFamily="34" charset="0"/>
+              </a:rPr>
+              <a:t>How we think we can prove it:</a:t>
+            </a:r>
+          </a:p>
+          <a:p>
+            <a:pPr marL="800100" lvl="1" indent="-228600" algn="l">
+              <a:buFont typeface="Arial" panose="020B0604020202020204" pitchFamily="34" charset="0"/>
+              <a:buChar char="•"/>
+            </a:pPr>
+            <a:r>
+              <a:rPr lang="en-US" sz="1600" dirty="0">
+                <a:solidFill>
+                  <a:srgbClr val="000000"/>
+                </a:solidFill>
+                <a:latin typeface="Arial Rounded MT Bold" panose="020F0704030504030204" pitchFamily="34" charset="0"/>
+              </a:rPr>
+              <a:t>We believe that there is a positive correlation between the number of people that are aware about Game of Thrones, and the amount of violent crimes recorded in a particular region.</a:t>
+            </a:r>
+          </a:p>
+          <a:p>
+            <a:pPr marL="800100" lvl="1" indent="-228600" algn="l">
+              <a:buFont typeface="Arial" panose="020B0604020202020204" pitchFamily="34" charset="0"/>
+              <a:buChar char="•"/>
+            </a:pPr>
+            <a:r>
+              <a:rPr lang="en-US" sz="1600" dirty="0">
+                <a:solidFill>
+                  <a:srgbClr val="000000"/>
+                </a:solidFill>
+                <a:latin typeface="Arial Rounded MT Bold" panose="020F0704030504030204" pitchFamily="34" charset="0"/>
+              </a:rPr>
+              <a:t>If only there was a way to just google it…</a:t>
+            </a:r>
+          </a:p>
+        </p:txBody>
+      </p:sp>
+      <p:sp>
+        <p:nvSpPr>
+          <p:cNvPr id="5" name="Rectangle: Rounded Corners 4">
+            <a:extLst>
+              <a:ext uri="{FF2B5EF4-FFF2-40B4-BE49-F238E27FC236}">
+                <a16:creationId xmlns:a16="http://schemas.microsoft.com/office/drawing/2014/main" id="{AC6B6C62-724B-4E58-B4CE-7F29DB30C718}"/>
+              </a:ext>
+            </a:extLst>
+          </p:cNvPr>
+          <p:cNvSpPr/>
+          <p:nvPr/>
+        </p:nvSpPr>
+        <p:spPr>
+          <a:xfrm>
+            <a:off x="1720992" y="3679132"/>
+            <a:ext cx="9051636" cy="1126836"/>
+          </a:xfrm>
+          <a:prstGeom prst="roundRect">
+            <a:avLst/>
+          </a:prstGeom>
+          <a:ln w="38100">
+            <a:solidFill>
+              <a:schemeClr val="tx1"/>
+            </a:solidFill>
+          </a:ln>
+          <a:effectLst>
+            <a:outerShdw blurRad="50800" dist="38100" dir="2700000" algn="tl" rotWithShape="0">
+              <a:prstClr val="black">
+                <a:alpha val="40000"/>
+              </a:prstClr>
+            </a:outerShdw>
+          </a:effectLst>
+        </p:spPr>
+        <p:style>
+          <a:lnRef idx="2">
+            <a:schemeClr val="accent3"/>
+          </a:lnRef>
+          <a:fillRef idx="1">
+            <a:schemeClr val="lt1"/>
+          </a:fillRef>
+          <a:effectRef idx="0">
+            <a:schemeClr val="accent3"/>
+          </a:effectRef>
+          <a:fontRef idx="minor">
+            <a:schemeClr val="dk1"/>
+          </a:fontRef>
+        </p:style>
+        <p:txBody>
+          <a:bodyPr rtlCol="0" anchor="ctr"/>
+          <a:lstStyle/>
+          <a:p>
+            <a:pPr algn="ctr"/>
+            <a:r>
+              <a:rPr lang="en-US" dirty="0">
+                <a:latin typeface="Arial Rounded MT Bold" panose="020F0704030504030204" pitchFamily="34" charset="0"/>
+              </a:rPr>
+              <a:t>Viewing graphic content on television or internet streaming services influences people into committing violent crimes.</a:t>
+            </a:r>
           </a:p>
         </p:txBody>
       </p:sp>
@@ -4032,6 +5120,798 @@
 </file>
 
 <file path=ppt/slides/slide3.xml><?xml version="1.0" encoding="utf-8"?>
+<p:sld xmlns:a="http://schemas.openxmlformats.org/drawingml/2006/main" xmlns:r="http://schemas.openxmlformats.org/officeDocument/2006/relationships" xmlns:p="http://schemas.openxmlformats.org/presentationml/2006/main">
+  <p:cSld>
+    <p:bg>
+      <p:bgPr>
+        <a:solidFill>
+          <a:schemeClr val="bg1"/>
+        </a:solidFill>
+        <a:effectLst/>
+      </p:bgPr>
+    </p:bg>
+    <p:spTree>
+      <p:nvGrpSpPr>
+        <p:cNvPr id="1" name=""/>
+        <p:cNvGrpSpPr/>
+        <p:nvPr/>
+      </p:nvGrpSpPr>
+      <p:grpSpPr>
+        <a:xfrm>
+          <a:off x="0" y="0"/>
+          <a:ext cx="0" cy="0"/>
+          <a:chOff x="0" y="0"/>
+          <a:chExt cx="0" cy="0"/>
+        </a:xfrm>
+      </p:grpSpPr>
+      <p:sp useBgFill="1">
+        <p:nvSpPr>
+          <p:cNvPr id="15" name="Rectangle 14">
+            <a:extLst>
+              <a:ext uri="{FF2B5EF4-FFF2-40B4-BE49-F238E27FC236}">
+                <a16:creationId xmlns:a16="http://schemas.microsoft.com/office/drawing/2014/main" id="{3B854194-185D-494D-905C-7C7CB2E30F6E}"/>
+              </a:ext>
+              <a:ext uri="{C183D7F6-B498-43B3-948B-1728B52AA6E4}">
+                <adec:decorative xmlns:adec="http://schemas.microsoft.com/office/drawing/2017/decorative" val="1"/>
+              </a:ext>
+            </a:extLst>
+          </p:cNvPr>
+          <p:cNvSpPr>
+            <a:spLocks noGrp="1" noRot="1" noChangeAspect="1" noMove="1" noResize="1" noEditPoints="1" noAdjustHandles="1" noChangeArrowheads="1" noChangeShapeType="1" noTextEdit="1"/>
+          </p:cNvSpPr>
+          <p:nvPr>
+            <p:extLst>
+              <p:ext uri="{386F3935-93C4-4BCD-93E2-E3B085C9AB24}">
+                <p16:designElem xmlns:p16="http://schemas.microsoft.com/office/powerpoint/2015/main" val="1"/>
+              </p:ext>
+            </p:extLst>
+          </p:nvPr>
+        </p:nvSpPr>
+        <p:spPr>
+          <a:xfrm>
+            <a:off x="1" y="0"/>
+            <a:ext cx="6082110" cy="6858000"/>
+          </a:xfrm>
+          <a:prstGeom prst="rect">
+            <a:avLst/>
+          </a:prstGeom>
+          <a:ln>
+            <a:noFill/>
+          </a:ln>
+        </p:spPr>
+        <p:style>
+          <a:lnRef idx="2">
+            <a:schemeClr val="accent1">
+              <a:shade val="50000"/>
+            </a:schemeClr>
+          </a:lnRef>
+          <a:fillRef idx="1">
+            <a:schemeClr val="accent1"/>
+          </a:fillRef>
+          <a:effectRef idx="0">
+            <a:schemeClr val="accent1"/>
+          </a:effectRef>
+          <a:fontRef idx="minor">
+            <a:schemeClr val="lt1"/>
+          </a:fontRef>
+        </p:style>
+        <p:txBody>
+          <a:bodyPr rtlCol="0" anchor="ctr"/>
+          <a:lstStyle/>
+          <a:p>
+            <a:pPr algn="ctr"/>
+            <a:endParaRPr lang="en-US"/>
+          </a:p>
+        </p:txBody>
+      </p:sp>
+      <p:sp>
+        <p:nvSpPr>
+          <p:cNvPr id="17" name="Rectangle 16">
+            <a:extLst>
+              <a:ext uri="{FF2B5EF4-FFF2-40B4-BE49-F238E27FC236}">
+                <a16:creationId xmlns:a16="http://schemas.microsoft.com/office/drawing/2014/main" id="{B4F5FA0D-0104-4987-8241-EFF7C85B88DE}"/>
+              </a:ext>
+              <a:ext uri="{C183D7F6-B498-43B3-948B-1728B52AA6E4}">
+                <adec:decorative xmlns:adec="http://schemas.microsoft.com/office/drawing/2017/decorative" val="1"/>
+              </a:ext>
+            </a:extLst>
+          </p:cNvPr>
+          <p:cNvSpPr>
+            <a:spLocks noGrp="1" noRot="1" noChangeAspect="1" noMove="1" noResize="1" noEditPoints="1" noAdjustHandles="1" noChangeArrowheads="1" noChangeShapeType="1" noTextEdit="1"/>
+          </p:cNvSpPr>
+          <p:nvPr>
+            <p:extLst>
+              <p:ext uri="{386F3935-93C4-4BCD-93E2-E3B085C9AB24}">
+                <p16:designElem xmlns:p16="http://schemas.microsoft.com/office/powerpoint/2015/main" val="1"/>
+              </p:ext>
+            </p:extLst>
+          </p:nvPr>
+        </p:nvSpPr>
+        <p:spPr>
+          <a:xfrm>
+            <a:off x="1" y="0"/>
+            <a:ext cx="12191998" cy="6858000"/>
+          </a:xfrm>
+          <a:prstGeom prst="rect">
+            <a:avLst/>
+          </a:prstGeom>
+          <a:gradFill>
+            <a:gsLst>
+              <a:gs pos="0">
+                <a:schemeClr val="accent1">
+                  <a:lumMod val="90000"/>
+                </a:schemeClr>
+              </a:gs>
+              <a:gs pos="25000">
+                <a:schemeClr val="accent1">
+                  <a:lumMod val="90000"/>
+                </a:schemeClr>
+              </a:gs>
+              <a:gs pos="94000">
+                <a:schemeClr val="bg2">
+                  <a:lumMod val="25000"/>
+                </a:schemeClr>
+              </a:gs>
+              <a:gs pos="100000">
+                <a:schemeClr val="bg2">
+                  <a:lumMod val="25000"/>
+                </a:schemeClr>
+              </a:gs>
+            </a:gsLst>
+            <a:lin ang="4200000" scaled="0"/>
+          </a:gradFill>
+          <a:ln>
+            <a:noFill/>
+          </a:ln>
+        </p:spPr>
+        <p:style>
+          <a:lnRef idx="2">
+            <a:schemeClr val="accent1">
+              <a:shade val="50000"/>
+            </a:schemeClr>
+          </a:lnRef>
+          <a:fillRef idx="1">
+            <a:schemeClr val="accent1"/>
+          </a:fillRef>
+          <a:effectRef idx="0">
+            <a:schemeClr val="accent1"/>
+          </a:effectRef>
+          <a:fontRef idx="minor">
+            <a:schemeClr val="lt1"/>
+          </a:fontRef>
+        </p:style>
+        <p:txBody>
+          <a:bodyPr rtlCol="0" anchor="ctr"/>
+          <a:lstStyle/>
+          <a:p>
+            <a:pPr algn="ctr"/>
+            <a:endParaRPr lang="en-US"/>
+          </a:p>
+        </p:txBody>
+      </p:sp>
+      <p:pic>
+        <p:nvPicPr>
+          <p:cNvPr id="19" name="Picture 18">
+            <a:extLst>
+              <a:ext uri="{FF2B5EF4-FFF2-40B4-BE49-F238E27FC236}">
+                <a16:creationId xmlns:a16="http://schemas.microsoft.com/office/drawing/2014/main" id="{2897127E-6CEF-446C-BE87-93B7C46E49D1}"/>
+              </a:ext>
+              <a:ext uri="{C183D7F6-B498-43B3-948B-1728B52AA6E4}">
+                <adec:decorative xmlns:adec="http://schemas.microsoft.com/office/drawing/2017/decorative" val="1"/>
+              </a:ext>
+            </a:extLst>
+          </p:cNvPr>
+          <p:cNvPicPr>
+            <a:picLocks noGrp="1" noRot="1" noChangeAspect="1" noMove="1" noResize="1" noEditPoints="1" noAdjustHandles="1" noChangeArrowheads="1" noChangeShapeType="1" noCrop="1"/>
+          </p:cNvPicPr>
+          <p:nvPr>
+            <p:extLst>
+              <p:ext uri="{386F3935-93C4-4BCD-93E2-E3B085C9AB24}">
+                <p16:designElem xmlns:p16="http://schemas.microsoft.com/office/powerpoint/2015/main" val="1"/>
+              </p:ext>
+            </p:extLst>
+          </p:nvPr>
+        </p:nvPicPr>
+        <p:blipFill>
+          <a:blip r:embed="rId2">
+            <a:extLst>
+              <a:ext uri="{28A0092B-C50C-407E-A947-70E740481C1C}">
+                <a14:useLocalDpi xmlns:a14="http://schemas.microsoft.com/office/drawing/2010/main" val="0"/>
+              </a:ext>
+            </a:extLst>
+          </a:blip>
+          <a:stretch>
+            <a:fillRect/>
+          </a:stretch>
+        </p:blipFill>
+        <p:spPr>
+          <a:xfrm>
+            <a:off x="0" y="0"/>
+            <a:ext cx="12192000" cy="6858000"/>
+          </a:xfrm>
+          <a:prstGeom prst="rect">
+            <a:avLst/>
+          </a:prstGeom>
+        </p:spPr>
+      </p:pic>
+      <p:sp>
+        <p:nvSpPr>
+          <p:cNvPr id="2" name="Title 1">
+            <a:extLst>
+              <a:ext uri="{FF2B5EF4-FFF2-40B4-BE49-F238E27FC236}">
+                <a16:creationId xmlns:a16="http://schemas.microsoft.com/office/drawing/2014/main" id="{8FA950AC-9CB8-418D-B635-9BD04AC6DB1D}"/>
+              </a:ext>
+            </a:extLst>
+          </p:cNvPr>
+          <p:cNvSpPr>
+            <a:spLocks noGrp="1"/>
+          </p:cNvSpPr>
+          <p:nvPr>
+            <p:ph type="title"/>
+          </p:nvPr>
+        </p:nvSpPr>
+        <p:spPr>
+          <a:xfrm>
+            <a:off x="640079" y="2053641"/>
+            <a:ext cx="4118734" cy="2760098"/>
+          </a:xfrm>
+        </p:spPr>
+        <p:txBody>
+          <a:bodyPr>
+            <a:normAutofit/>
+          </a:bodyPr>
+          <a:lstStyle/>
+          <a:p>
+            <a:pPr algn="ctr"/>
+            <a:r>
+              <a:rPr lang="en-US" dirty="0">
+                <a:solidFill>
+                  <a:srgbClr val="FFFFFF"/>
+                </a:solidFill>
+              </a:rPr>
+              <a:t>Game of Thrones</a:t>
+            </a:r>
+            <a:br>
+              <a:rPr lang="en-US" dirty="0">
+                <a:solidFill>
+                  <a:srgbClr val="FFFFFF"/>
+                </a:solidFill>
+              </a:rPr>
+            </a:br>
+            <a:r>
+              <a:rPr lang="en-US" dirty="0">
+                <a:solidFill>
+                  <a:srgbClr val="FFFFFF"/>
+                </a:solidFill>
+              </a:rPr>
+              <a:t>is a great show.</a:t>
+            </a:r>
+            <a:br>
+              <a:rPr lang="en-US" dirty="0">
+                <a:solidFill>
+                  <a:srgbClr val="FFFFFF"/>
+                </a:solidFill>
+              </a:rPr>
+            </a:br>
+            <a:r>
+              <a:rPr lang="en-US" dirty="0">
+                <a:solidFill>
+                  <a:srgbClr val="FFFFFF"/>
+                </a:solidFill>
+              </a:rPr>
+              <a:t>Arguably…</a:t>
+            </a:r>
+          </a:p>
+        </p:txBody>
+      </p:sp>
+      <p:pic>
+        <p:nvPicPr>
+          <p:cNvPr id="7" name="Content Placeholder 6">
+            <a:extLst>
+              <a:ext uri="{FF2B5EF4-FFF2-40B4-BE49-F238E27FC236}">
+                <a16:creationId xmlns:a16="http://schemas.microsoft.com/office/drawing/2014/main" id="{68AD4CF2-61B8-4796-8A0A-200A7AD504FB}"/>
+              </a:ext>
+            </a:extLst>
+          </p:cNvPr>
+          <p:cNvPicPr>
+            <a:picLocks noGrp="1" noChangeAspect="1"/>
+          </p:cNvPicPr>
+          <p:nvPr>
+            <p:ph idx="1"/>
+          </p:nvPr>
+        </p:nvPicPr>
+        <p:blipFill>
+          <a:blip r:embed="rId3"/>
+          <a:stretch>
+            <a:fillRect/>
+          </a:stretch>
+        </p:blipFill>
+        <p:spPr>
+          <a:xfrm>
+            <a:off x="5767339" y="491408"/>
+            <a:ext cx="5784582" cy="5875184"/>
+          </a:xfrm>
+          <a:prstGeom prst="rect">
+            <a:avLst/>
+          </a:prstGeom>
+        </p:spPr>
+      </p:pic>
+    </p:spTree>
+    <p:extLst>
+      <p:ext uri="{BB962C8B-B14F-4D97-AF65-F5344CB8AC3E}">
+        <p14:creationId xmlns:p14="http://schemas.microsoft.com/office/powerpoint/2010/main" val="705453439"/>
+      </p:ext>
+    </p:extLst>
+  </p:cSld>
+  <p:clrMapOvr>
+    <a:masterClrMapping/>
+  </p:clrMapOvr>
+</p:sld>
+</file>
+
+<file path=ppt/slides/slide4.xml><?xml version="1.0" encoding="utf-8"?>
+<p:sld xmlns:a="http://schemas.openxmlformats.org/drawingml/2006/main" xmlns:r="http://schemas.openxmlformats.org/officeDocument/2006/relationships" xmlns:p="http://schemas.openxmlformats.org/presentationml/2006/main">
+  <p:cSld>
+    <p:bg>
+      <p:bgPr>
+        <a:solidFill>
+          <a:schemeClr val="bg1"/>
+        </a:solidFill>
+        <a:effectLst/>
+      </p:bgPr>
+    </p:bg>
+    <p:spTree>
+      <p:nvGrpSpPr>
+        <p:cNvPr id="1" name=""/>
+        <p:cNvGrpSpPr/>
+        <p:nvPr/>
+      </p:nvGrpSpPr>
+      <p:grpSpPr>
+        <a:xfrm>
+          <a:off x="0" y="0"/>
+          <a:ext cx="0" cy="0"/>
+          <a:chOff x="0" y="0"/>
+          <a:chExt cx="0" cy="0"/>
+        </a:xfrm>
+      </p:grpSpPr>
+      <p:pic>
+        <p:nvPicPr>
+          <p:cNvPr id="7" name="Content Placeholder 3">
+            <a:extLst>
+              <a:ext uri="{FF2B5EF4-FFF2-40B4-BE49-F238E27FC236}">
+                <a16:creationId xmlns:a16="http://schemas.microsoft.com/office/drawing/2014/main" id="{4FAECF54-EAC9-410D-940D-B11B1A7D192E}"/>
+              </a:ext>
+            </a:extLst>
+          </p:cNvPr>
+          <p:cNvPicPr>
+            <a:picLocks noGrp="1" noChangeAspect="1"/>
+          </p:cNvPicPr>
+          <p:nvPr>
+            <p:ph idx="1"/>
+          </p:nvPr>
+        </p:nvPicPr>
+        <p:blipFill>
+          <a:blip r:embed="rId2"/>
+          <a:stretch>
+            <a:fillRect/>
+          </a:stretch>
+        </p:blipFill>
+        <p:spPr>
+          <a:xfrm>
+            <a:off x="643467" y="784522"/>
+            <a:ext cx="10905066" cy="5288956"/>
+          </a:xfrm>
+          <a:prstGeom prst="rect">
+            <a:avLst/>
+          </a:prstGeom>
+        </p:spPr>
+      </p:pic>
+      <p:sp>
+        <p:nvSpPr>
+          <p:cNvPr id="2" name="Oval 1">
+            <a:extLst>
+              <a:ext uri="{FF2B5EF4-FFF2-40B4-BE49-F238E27FC236}">
+                <a16:creationId xmlns:a16="http://schemas.microsoft.com/office/drawing/2014/main" id="{13A6B489-7F79-4337-98BB-9EF3F064F43E}"/>
+              </a:ext>
+            </a:extLst>
+          </p:cNvPr>
+          <p:cNvSpPr/>
+          <p:nvPr/>
+        </p:nvSpPr>
+        <p:spPr>
+          <a:xfrm>
+            <a:off x="2327564" y="1265382"/>
+            <a:ext cx="997527" cy="240145"/>
+          </a:xfrm>
+          <a:prstGeom prst="ellipse">
+            <a:avLst/>
+          </a:prstGeom>
+          <a:noFill/>
+          <a:ln w="28575" cap="flat" cmpd="sng" algn="ctr">
+            <a:solidFill>
+              <a:srgbClr val="FF0000"/>
+            </a:solidFill>
+            <a:prstDash val="solid"/>
+            <a:round/>
+            <a:headEnd type="none" w="med" len="med"/>
+            <a:tailEnd type="none" w="med" len="med"/>
+          </a:ln>
+          <a:effectLst>
+            <a:outerShdw blurRad="50800" dist="38100" dir="2700000" algn="tl" rotWithShape="0">
+              <a:prstClr val="black">
+                <a:alpha val="40000"/>
+              </a:prstClr>
+            </a:outerShdw>
+          </a:effectLst>
+        </p:spPr>
+        <p:style>
+          <a:lnRef idx="0">
+            <a:scrgbClr r="0" g="0" b="0"/>
+          </a:lnRef>
+          <a:fillRef idx="0">
+            <a:scrgbClr r="0" g="0" b="0"/>
+          </a:fillRef>
+          <a:effectRef idx="0">
+            <a:scrgbClr r="0" g="0" b="0"/>
+          </a:effectRef>
+          <a:fontRef idx="minor">
+            <a:schemeClr val="accent2"/>
+          </a:fontRef>
+        </p:style>
+        <p:txBody>
+          <a:bodyPr rtlCol="0" anchor="ctr"/>
+          <a:lstStyle/>
+          <a:p>
+            <a:pPr algn="ctr"/>
+            <a:endParaRPr lang="en-US"/>
+          </a:p>
+        </p:txBody>
+      </p:sp>
+      <p:sp>
+        <p:nvSpPr>
+          <p:cNvPr id="11" name="Rectangle: Rounded Corners 10">
+            <a:extLst>
+              <a:ext uri="{FF2B5EF4-FFF2-40B4-BE49-F238E27FC236}">
+                <a16:creationId xmlns:a16="http://schemas.microsoft.com/office/drawing/2014/main" id="{70D464C9-FC75-4544-A9F8-4C691D9699ED}"/>
+              </a:ext>
+            </a:extLst>
+          </p:cNvPr>
+          <p:cNvSpPr/>
+          <p:nvPr/>
+        </p:nvSpPr>
+        <p:spPr>
+          <a:xfrm>
+            <a:off x="7462981" y="1713345"/>
+            <a:ext cx="3177309" cy="858981"/>
+          </a:xfrm>
+          <a:prstGeom prst="roundRect">
+            <a:avLst/>
+          </a:prstGeom>
+          <a:ln w="38100">
+            <a:solidFill>
+              <a:schemeClr val="tx1"/>
+            </a:solidFill>
+          </a:ln>
+          <a:effectLst>
+            <a:outerShdw blurRad="50800" dist="38100" dir="2700000" algn="tl" rotWithShape="0">
+              <a:prstClr val="black">
+                <a:alpha val="40000"/>
+              </a:prstClr>
+            </a:outerShdw>
+          </a:effectLst>
+        </p:spPr>
+        <p:style>
+          <a:lnRef idx="2">
+            <a:schemeClr val="accent3"/>
+          </a:lnRef>
+          <a:fillRef idx="1">
+            <a:schemeClr val="lt1"/>
+          </a:fillRef>
+          <a:effectRef idx="0">
+            <a:schemeClr val="accent3"/>
+          </a:effectRef>
+          <a:fontRef idx="minor">
+            <a:schemeClr val="dk1"/>
+          </a:fontRef>
+        </p:style>
+        <p:txBody>
+          <a:bodyPr rtlCol="0" anchor="ctr"/>
+          <a:lstStyle/>
+          <a:p>
+            <a:pPr algn="ctr"/>
+            <a:r>
+              <a:rPr lang="en-US" dirty="0">
+                <a:latin typeface="Arial Rounded MT Bold" panose="020F0704030504030204" pitchFamily="34" charset="0"/>
+              </a:rPr>
+              <a:t>About 12,700 results</a:t>
+            </a:r>
+          </a:p>
+        </p:txBody>
+      </p:sp>
+      <p:cxnSp>
+        <p:nvCxnSpPr>
+          <p:cNvPr id="6" name="Straight Connector 5">
+            <a:extLst>
+              <a:ext uri="{FF2B5EF4-FFF2-40B4-BE49-F238E27FC236}">
+                <a16:creationId xmlns:a16="http://schemas.microsoft.com/office/drawing/2014/main" id="{017E9421-38CB-403A-B1AC-ACA06A4CCEB6}"/>
+              </a:ext>
+            </a:extLst>
+          </p:cNvPr>
+          <p:cNvCxnSpPr>
+            <a:stCxn id="2" idx="6"/>
+            <a:endCxn id="11" idx="1"/>
+          </p:cNvCxnSpPr>
+          <p:nvPr/>
+        </p:nvCxnSpPr>
+        <p:spPr>
+          <a:xfrm>
+            <a:off x="3325091" y="1385455"/>
+            <a:ext cx="4137890" cy="757381"/>
+          </a:xfrm>
+          <a:prstGeom prst="line">
+            <a:avLst/>
+          </a:prstGeom>
+        </p:spPr>
+        <p:style>
+          <a:lnRef idx="1">
+            <a:schemeClr val="accent1"/>
+          </a:lnRef>
+          <a:fillRef idx="0">
+            <a:schemeClr val="accent1"/>
+          </a:fillRef>
+          <a:effectRef idx="0">
+            <a:schemeClr val="accent1"/>
+          </a:effectRef>
+          <a:fontRef idx="minor">
+            <a:schemeClr val="tx1"/>
+          </a:fontRef>
+        </p:style>
+      </p:cxnSp>
+    </p:spTree>
+    <p:extLst>
+      <p:ext uri="{BB962C8B-B14F-4D97-AF65-F5344CB8AC3E}">
+        <p14:creationId xmlns:p14="http://schemas.microsoft.com/office/powerpoint/2010/main" val="116863878"/>
+      </p:ext>
+    </p:extLst>
+  </p:cSld>
+  <p:clrMapOvr>
+    <a:masterClrMapping/>
+  </p:clrMapOvr>
+</p:sld>
+</file>
+
+<file path=ppt/slides/slide5.xml><?xml version="1.0" encoding="utf-8"?>
+<p:sld xmlns:a="http://schemas.openxmlformats.org/drawingml/2006/main" xmlns:r="http://schemas.openxmlformats.org/officeDocument/2006/relationships" xmlns:p="http://schemas.openxmlformats.org/presentationml/2006/main">
+  <p:cSld>
+    <p:bg>
+      <p:bgPr>
+        <a:solidFill>
+          <a:schemeClr val="bg1"/>
+        </a:solidFill>
+        <a:effectLst/>
+      </p:bgPr>
+    </p:bg>
+    <p:spTree>
+      <p:nvGrpSpPr>
+        <p:cNvPr id="1" name=""/>
+        <p:cNvGrpSpPr/>
+        <p:nvPr/>
+      </p:nvGrpSpPr>
+      <p:grpSpPr>
+        <a:xfrm>
+          <a:off x="0" y="0"/>
+          <a:ext cx="0" cy="0"/>
+          <a:chOff x="0" y="0"/>
+          <a:chExt cx="0" cy="0"/>
+        </a:xfrm>
+      </p:grpSpPr>
+      <p:pic>
+        <p:nvPicPr>
+          <p:cNvPr id="8" name="Content Placeholder 4" descr="A screenshot of a cell phone&#10;&#10;Description automatically generated">
+            <a:extLst>
+              <a:ext uri="{FF2B5EF4-FFF2-40B4-BE49-F238E27FC236}">
+                <a16:creationId xmlns:a16="http://schemas.microsoft.com/office/drawing/2014/main" id="{9FD1F4E1-6C8F-4B25-AEBC-AAA8F49174F9}"/>
+              </a:ext>
+            </a:extLst>
+          </p:cNvPr>
+          <p:cNvPicPr>
+            <a:picLocks noGrp="1" noChangeAspect="1"/>
+          </p:cNvPicPr>
+          <p:nvPr>
+            <p:ph idx="1"/>
+          </p:nvPr>
+        </p:nvPicPr>
+        <p:blipFill>
+          <a:blip r:embed="rId2"/>
+          <a:stretch>
+            <a:fillRect/>
+          </a:stretch>
+        </p:blipFill>
+        <p:spPr>
+          <a:xfrm>
+            <a:off x="643467" y="784522"/>
+            <a:ext cx="10905066" cy="5288956"/>
+          </a:xfrm>
+          <a:prstGeom prst="rect">
+            <a:avLst/>
+          </a:prstGeom>
+        </p:spPr>
+      </p:pic>
+      <p:sp>
+        <p:nvSpPr>
+          <p:cNvPr id="5" name="Oval 4">
+            <a:extLst>
+              <a:ext uri="{FF2B5EF4-FFF2-40B4-BE49-F238E27FC236}">
+                <a16:creationId xmlns:a16="http://schemas.microsoft.com/office/drawing/2014/main" id="{D9730062-D1C8-4423-A359-4D6858EE4853}"/>
+              </a:ext>
+            </a:extLst>
+          </p:cNvPr>
+          <p:cNvSpPr/>
+          <p:nvPr/>
+        </p:nvSpPr>
+        <p:spPr>
+          <a:xfrm>
+            <a:off x="2327564" y="1265382"/>
+            <a:ext cx="997527" cy="240145"/>
+          </a:xfrm>
+          <a:prstGeom prst="ellipse">
+            <a:avLst/>
+          </a:prstGeom>
+          <a:noFill/>
+          <a:ln w="28575" cap="flat" cmpd="sng" algn="ctr">
+            <a:solidFill>
+              <a:srgbClr val="FF0000"/>
+            </a:solidFill>
+            <a:prstDash val="solid"/>
+            <a:round/>
+            <a:headEnd type="none" w="med" len="med"/>
+            <a:tailEnd type="none" w="med" len="med"/>
+          </a:ln>
+          <a:effectLst>
+            <a:outerShdw blurRad="50800" dist="38100" dir="2700000" algn="tl" rotWithShape="0">
+              <a:prstClr val="black">
+                <a:alpha val="40000"/>
+              </a:prstClr>
+            </a:outerShdw>
+          </a:effectLst>
+        </p:spPr>
+        <p:style>
+          <a:lnRef idx="0">
+            <a:scrgbClr r="0" g="0" b="0"/>
+          </a:lnRef>
+          <a:fillRef idx="0">
+            <a:scrgbClr r="0" g="0" b="0"/>
+          </a:fillRef>
+          <a:effectRef idx="0">
+            <a:scrgbClr r="0" g="0" b="0"/>
+          </a:effectRef>
+          <a:fontRef idx="minor">
+            <a:schemeClr val="accent2"/>
+          </a:fontRef>
+        </p:style>
+        <p:txBody>
+          <a:bodyPr rtlCol="0" anchor="ctr"/>
+          <a:lstStyle/>
+          <a:p>
+            <a:pPr algn="ctr"/>
+            <a:endParaRPr lang="en-US"/>
+          </a:p>
+        </p:txBody>
+      </p:sp>
+      <p:sp>
+        <p:nvSpPr>
+          <p:cNvPr id="6" name="Rectangle: Rounded Corners 5">
+            <a:extLst>
+              <a:ext uri="{FF2B5EF4-FFF2-40B4-BE49-F238E27FC236}">
+                <a16:creationId xmlns:a16="http://schemas.microsoft.com/office/drawing/2014/main" id="{671E0683-925A-45EB-A100-ECABDF121C82}"/>
+              </a:ext>
+            </a:extLst>
+          </p:cNvPr>
+          <p:cNvSpPr/>
+          <p:nvPr/>
+        </p:nvSpPr>
+        <p:spPr>
+          <a:xfrm>
+            <a:off x="7462981" y="1713345"/>
+            <a:ext cx="3177309" cy="858981"/>
+          </a:xfrm>
+          <a:prstGeom prst="roundRect">
+            <a:avLst/>
+          </a:prstGeom>
+          <a:ln w="38100">
+            <a:solidFill>
+              <a:schemeClr val="tx1"/>
+            </a:solidFill>
+          </a:ln>
+          <a:effectLst>
+            <a:outerShdw blurRad="50800" dist="38100" dir="2700000" algn="tl" rotWithShape="0">
+              <a:prstClr val="black">
+                <a:alpha val="40000"/>
+              </a:prstClr>
+            </a:outerShdw>
+          </a:effectLst>
+        </p:spPr>
+        <p:style>
+          <a:lnRef idx="2">
+            <a:schemeClr val="accent3"/>
+          </a:lnRef>
+          <a:fillRef idx="1">
+            <a:schemeClr val="lt1"/>
+          </a:fillRef>
+          <a:effectRef idx="0">
+            <a:schemeClr val="accent3"/>
+          </a:effectRef>
+          <a:fontRef idx="minor">
+            <a:schemeClr val="dk1"/>
+          </a:fontRef>
+        </p:style>
+        <p:txBody>
+          <a:bodyPr rtlCol="0" anchor="ctr"/>
+          <a:lstStyle/>
+          <a:p>
+            <a:pPr algn="ctr"/>
+            <a:r>
+              <a:rPr lang="en-US" dirty="0">
+                <a:latin typeface="Arial Rounded MT Bold" panose="020F0704030504030204" pitchFamily="34" charset="0"/>
+              </a:rPr>
+              <a:t>165,000 results !!!</a:t>
+            </a:r>
+          </a:p>
+        </p:txBody>
+      </p:sp>
+      <p:cxnSp>
+        <p:nvCxnSpPr>
+          <p:cNvPr id="7" name="Straight Connector 6">
+            <a:extLst>
+              <a:ext uri="{FF2B5EF4-FFF2-40B4-BE49-F238E27FC236}">
+                <a16:creationId xmlns:a16="http://schemas.microsoft.com/office/drawing/2014/main" id="{8B4261E8-6D11-45B2-AAA7-66E79A929668}"/>
+              </a:ext>
+            </a:extLst>
+          </p:cNvPr>
+          <p:cNvCxnSpPr>
+            <a:stCxn id="5" idx="6"/>
+            <a:endCxn id="6" idx="1"/>
+          </p:cNvCxnSpPr>
+          <p:nvPr/>
+        </p:nvCxnSpPr>
+        <p:spPr>
+          <a:xfrm>
+            <a:off x="3325091" y="1385455"/>
+            <a:ext cx="4137890" cy="757381"/>
+          </a:xfrm>
+          <a:prstGeom prst="line">
+            <a:avLst/>
+          </a:prstGeom>
+        </p:spPr>
+        <p:style>
+          <a:lnRef idx="1">
+            <a:schemeClr val="accent1"/>
+          </a:lnRef>
+          <a:fillRef idx="0">
+            <a:schemeClr val="accent1"/>
+          </a:fillRef>
+          <a:effectRef idx="0">
+            <a:schemeClr val="accent1"/>
+          </a:effectRef>
+          <a:fontRef idx="minor">
+            <a:schemeClr val="tx1"/>
+          </a:fontRef>
+        </p:style>
+      </p:cxnSp>
+    </p:spTree>
+    <p:extLst>
+      <p:ext uri="{BB962C8B-B14F-4D97-AF65-F5344CB8AC3E}">
+        <p14:creationId xmlns:p14="http://schemas.microsoft.com/office/powerpoint/2010/main" val="2410900015"/>
+      </p:ext>
+    </p:extLst>
+  </p:cSld>
+  <p:clrMapOvr>
+    <a:masterClrMapping/>
+  </p:clrMapOvr>
+</p:sld>
+</file>
+
+<file path=ppt/slides/slide6.xml><?xml version="1.0" encoding="utf-8"?>
 <p:sld xmlns:a="http://schemas.openxmlformats.org/drawingml/2006/main" xmlns:r="http://schemas.openxmlformats.org/officeDocument/2006/relationships" xmlns:p="http://schemas.openxmlformats.org/presentationml/2006/main">
   <p:cSld>
     <p:spTree>
@@ -4088,6 +5968,444 @@
     <p:extLst>
       <p:ext uri="{BB962C8B-B14F-4D97-AF65-F5344CB8AC3E}">
         <p14:creationId xmlns:p14="http://schemas.microsoft.com/office/powerpoint/2010/main" val="1948012623"/>
+      </p:ext>
+    </p:extLst>
+  </p:cSld>
+  <p:clrMapOvr>
+    <a:masterClrMapping/>
+  </p:clrMapOvr>
+</p:sld>
+</file>
+
+<file path=ppt/slides/slide7.xml><?xml version="1.0" encoding="utf-8"?>
+<p:sld xmlns:a="http://schemas.openxmlformats.org/drawingml/2006/main" xmlns:r="http://schemas.openxmlformats.org/officeDocument/2006/relationships" xmlns:p="http://schemas.openxmlformats.org/presentationml/2006/main">
+  <p:cSld>
+    <p:bg>
+      <p:bgPr>
+        <a:solidFill>
+          <a:schemeClr val="bg1"/>
+        </a:solidFill>
+        <a:effectLst/>
+      </p:bgPr>
+    </p:bg>
+    <p:spTree>
+      <p:nvGrpSpPr>
+        <p:cNvPr id="1" name=""/>
+        <p:cNvGrpSpPr/>
+        <p:nvPr/>
+      </p:nvGrpSpPr>
+      <p:grpSpPr>
+        <a:xfrm>
+          <a:off x="0" y="0"/>
+          <a:ext cx="0" cy="0"/>
+          <a:chOff x="0" y="0"/>
+          <a:chExt cx="0" cy="0"/>
+        </a:xfrm>
+      </p:grpSpPr>
+      <p:sp>
+        <p:nvSpPr>
+          <p:cNvPr id="15" name="Rectangle 14">
+            <a:extLst>
+              <a:ext uri="{FF2B5EF4-FFF2-40B4-BE49-F238E27FC236}">
+                <a16:creationId xmlns:a16="http://schemas.microsoft.com/office/drawing/2014/main" id="{4351DFE5-F63D-4BE0-BDA9-E3EB88F01AA5}"/>
+              </a:ext>
+              <a:ext uri="{C183D7F6-B498-43B3-948B-1728B52AA6E4}">
+                <adec:decorative xmlns:adec="http://schemas.microsoft.com/office/drawing/2017/decorative" val="1"/>
+              </a:ext>
+            </a:extLst>
+          </p:cNvPr>
+          <p:cNvSpPr>
+            <a:spLocks noGrp="1" noRot="1" noChangeAspect="1" noMove="1" noResize="1" noEditPoints="1" noAdjustHandles="1" noChangeArrowheads="1" noChangeShapeType="1" noTextEdit="1"/>
+          </p:cNvSpPr>
+          <p:nvPr>
+            <p:extLst>
+              <p:ext uri="{386F3935-93C4-4BCD-93E2-E3B085C9AB24}">
+                <p16:designElem xmlns:p16="http://schemas.microsoft.com/office/powerpoint/2015/main" val="1"/>
+              </p:ext>
+            </p:extLst>
+          </p:nvPr>
+        </p:nvSpPr>
+        <p:spPr>
+          <a:xfrm>
+            <a:off x="355601" y="0"/>
+            <a:ext cx="11480494" cy="2753936"/>
+          </a:xfrm>
+          <a:prstGeom prst="rect">
+            <a:avLst/>
+          </a:prstGeom>
+          <a:gradFill>
+            <a:gsLst>
+              <a:gs pos="0">
+                <a:schemeClr val="accent1">
+                  <a:lumMod val="90000"/>
+                </a:schemeClr>
+              </a:gs>
+              <a:gs pos="25000">
+                <a:schemeClr val="accent1">
+                  <a:lumMod val="90000"/>
+                </a:schemeClr>
+              </a:gs>
+              <a:gs pos="94000">
+                <a:schemeClr val="bg2">
+                  <a:lumMod val="25000"/>
+                </a:schemeClr>
+              </a:gs>
+              <a:gs pos="100000">
+                <a:schemeClr val="bg2">
+                  <a:lumMod val="25000"/>
+                </a:schemeClr>
+              </a:gs>
+            </a:gsLst>
+            <a:lin ang="4200000" scaled="0"/>
+          </a:gradFill>
+          <a:ln>
+            <a:noFill/>
+          </a:ln>
+        </p:spPr>
+        <p:style>
+          <a:lnRef idx="2">
+            <a:schemeClr val="accent1">
+              <a:shade val="50000"/>
+            </a:schemeClr>
+          </a:lnRef>
+          <a:fillRef idx="1">
+            <a:schemeClr val="accent1"/>
+          </a:fillRef>
+          <a:effectRef idx="0">
+            <a:schemeClr val="accent1"/>
+          </a:effectRef>
+          <a:fontRef idx="minor">
+            <a:schemeClr val="lt1"/>
+          </a:fontRef>
+        </p:style>
+        <p:txBody>
+          <a:bodyPr rtlCol="0" anchor="ctr"/>
+          <a:lstStyle/>
+          <a:p>
+            <a:pPr algn="ctr"/>
+            <a:endParaRPr lang="en-US"/>
+          </a:p>
+        </p:txBody>
+      </p:sp>
+      <p:pic>
+        <p:nvPicPr>
+          <p:cNvPr id="17" name="Picture 16">
+            <a:extLst>
+              <a:ext uri="{FF2B5EF4-FFF2-40B4-BE49-F238E27FC236}">
+                <a16:creationId xmlns:a16="http://schemas.microsoft.com/office/drawing/2014/main" id="{3AA16612-ACD2-4A16-8F2B-4514FD6BF28F}"/>
+              </a:ext>
+              <a:ext uri="{C183D7F6-B498-43B3-948B-1728B52AA6E4}">
+                <adec:decorative xmlns:adec="http://schemas.microsoft.com/office/drawing/2017/decorative" val="1"/>
+              </a:ext>
+            </a:extLst>
+          </p:cNvPr>
+          <p:cNvPicPr>
+            <a:picLocks noGrp="1" noRot="1" noChangeAspect="1" noMove="1" noResize="1" noEditPoints="1" noAdjustHandles="1" noChangeArrowheads="1" noChangeShapeType="1" noCrop="1"/>
+          </p:cNvPicPr>
+          <p:nvPr>
+            <p:extLst>
+              <p:ext uri="{386F3935-93C4-4BCD-93E2-E3B085C9AB24}">
+                <p16:designElem xmlns:p16="http://schemas.microsoft.com/office/powerpoint/2015/main" val="1"/>
+              </p:ext>
+            </p:extLst>
+          </p:nvPr>
+        </p:nvPicPr>
+        <p:blipFill>
+          <a:blip r:embed="rId2">
+            <a:extLst>
+              <a:ext uri="{28A0092B-C50C-407E-A947-70E740481C1C}">
+                <a14:useLocalDpi xmlns:a14="http://schemas.microsoft.com/office/drawing/2010/main" val="0"/>
+              </a:ext>
+            </a:extLst>
+          </a:blip>
+          <a:stretch>
+            <a:fillRect/>
+          </a:stretch>
+        </p:blipFill>
+        <p:spPr>
+          <a:xfrm>
+            <a:off x="0" y="0"/>
+            <a:ext cx="12192000" cy="6858000"/>
+          </a:xfrm>
+          <a:prstGeom prst="rect">
+            <a:avLst/>
+          </a:prstGeom>
+        </p:spPr>
+      </p:pic>
+      <p:sp>
+        <p:nvSpPr>
+          <p:cNvPr id="2" name="Title 1">
+            <a:extLst>
+              <a:ext uri="{FF2B5EF4-FFF2-40B4-BE49-F238E27FC236}">
+                <a16:creationId xmlns:a16="http://schemas.microsoft.com/office/drawing/2014/main" id="{5565DA06-B857-4E79-AF03-3837718EFCFD}"/>
+              </a:ext>
+            </a:extLst>
+          </p:cNvPr>
+          <p:cNvSpPr>
+            <a:spLocks noGrp="1"/>
+          </p:cNvSpPr>
+          <p:nvPr>
+            <p:ph type="title"/>
+          </p:nvPr>
+        </p:nvSpPr>
+        <p:spPr>
+          <a:xfrm>
+            <a:off x="1179226" y="826680"/>
+            <a:ext cx="9833548" cy="1325563"/>
+          </a:xfrm>
+        </p:spPr>
+        <p:txBody>
+          <a:bodyPr>
+            <a:normAutofit/>
+          </a:bodyPr>
+          <a:lstStyle/>
+          <a:p>
+            <a:pPr algn="ctr"/>
+            <a:r>
+              <a:rPr lang="en-US" sz="4000" dirty="0" err="1">
+                <a:solidFill>
+                  <a:srgbClr val="FFFFFF"/>
+                </a:solidFill>
+              </a:rPr>
+              <a:t>Aurin</a:t>
+            </a:r>
+            <a:r>
+              <a:rPr lang="en-US" sz="4000" dirty="0">
+                <a:solidFill>
+                  <a:srgbClr val="FFFFFF"/>
+                </a:solidFill>
+              </a:rPr>
+              <a:t> Data : Crime Statistics Agency </a:t>
+            </a:r>
+          </a:p>
+        </p:txBody>
+      </p:sp>
+      <p:sp>
+        <p:nvSpPr>
+          <p:cNvPr id="3" name="Content Placeholder 2">
+            <a:extLst>
+              <a:ext uri="{FF2B5EF4-FFF2-40B4-BE49-F238E27FC236}">
+                <a16:creationId xmlns:a16="http://schemas.microsoft.com/office/drawing/2014/main" id="{E81EE2AE-ABE5-4E86-A306-31F530E20425}"/>
+              </a:ext>
+            </a:extLst>
+          </p:cNvPr>
+          <p:cNvSpPr>
+            <a:spLocks noGrp="1"/>
+          </p:cNvSpPr>
+          <p:nvPr>
+            <p:ph idx="1"/>
+          </p:nvPr>
+        </p:nvSpPr>
+        <p:spPr>
+          <a:xfrm>
+            <a:off x="1179226" y="3092970"/>
+            <a:ext cx="9833548" cy="2693976"/>
+          </a:xfrm>
+        </p:spPr>
+        <p:txBody>
+          <a:bodyPr>
+            <a:normAutofit lnSpcReduction="10000"/>
+          </a:bodyPr>
+          <a:lstStyle/>
+          <a:p>
+            <a:r>
+              <a:rPr lang="en-US" sz="2000" dirty="0">
+                <a:solidFill>
+                  <a:srgbClr val="000000"/>
+                </a:solidFill>
+              </a:rPr>
+              <a:t>The Crime Statistics Agency (CSA) has developed this offence classification to assist in the production and analysis of summary crime and justice statistics in Victoria. It is largely based on the structure and principles of the Australian and New Zealand Standard Offence Classification (ANZSOC) produced by the Australian Bureau of Statistics, and has been modified to suit the legislative environment in Victoria.</a:t>
+            </a:r>
+          </a:p>
+          <a:p>
+            <a:r>
+              <a:rPr lang="en-US" sz="2000" dirty="0">
+                <a:solidFill>
+                  <a:srgbClr val="000000"/>
+                </a:solidFill>
+              </a:rPr>
+              <a:t>The classification is comprised of three levels: divisions (the broadest level), subdivisions (the intermediate level) and groups (the finest level).</a:t>
+            </a:r>
+          </a:p>
+          <a:p>
+            <a:endParaRPr lang="en-US" sz="2000" dirty="0">
+              <a:solidFill>
+                <a:srgbClr val="000000"/>
+              </a:solidFill>
+            </a:endParaRPr>
+          </a:p>
+          <a:p>
+            <a:r>
+              <a:rPr lang="en-US" sz="2000" dirty="0">
+                <a:solidFill>
+                  <a:srgbClr val="000000"/>
+                </a:solidFill>
+              </a:rPr>
+              <a:t>Available on </a:t>
+            </a:r>
+            <a:r>
+              <a:rPr lang="en-US" sz="2000" dirty="0" err="1">
+                <a:solidFill>
+                  <a:srgbClr val="000000"/>
+                </a:solidFill>
+              </a:rPr>
+              <a:t>Aurin</a:t>
+            </a:r>
+            <a:r>
+              <a:rPr lang="en-US" sz="2000" dirty="0">
+                <a:solidFill>
+                  <a:srgbClr val="000000"/>
+                </a:solidFill>
+              </a:rPr>
+              <a:t> from 2012 – 2016.</a:t>
+            </a:r>
+          </a:p>
+        </p:txBody>
+      </p:sp>
+    </p:spTree>
+    <p:extLst>
+      <p:ext uri="{BB962C8B-B14F-4D97-AF65-F5344CB8AC3E}">
+        <p14:creationId xmlns:p14="http://schemas.microsoft.com/office/powerpoint/2010/main" val="2631028603"/>
+      </p:ext>
+    </p:extLst>
+  </p:cSld>
+  <p:clrMapOvr>
+    <a:masterClrMapping/>
+  </p:clrMapOvr>
+</p:sld>
+</file>
+
+<file path=ppt/slides/slide8.xml><?xml version="1.0" encoding="utf-8"?>
+<p:sld xmlns:a="http://schemas.openxmlformats.org/drawingml/2006/main" xmlns:r="http://schemas.openxmlformats.org/officeDocument/2006/relationships" xmlns:p="http://schemas.openxmlformats.org/presentationml/2006/main">
+  <p:cSld>
+    <p:bg>
+      <p:bgPr>
+        <a:solidFill>
+          <a:schemeClr val="bg1"/>
+        </a:solidFill>
+        <a:effectLst/>
+      </p:bgPr>
+    </p:bg>
+    <p:spTree>
+      <p:nvGrpSpPr>
+        <p:cNvPr id="1" name=""/>
+        <p:cNvGrpSpPr/>
+        <p:nvPr/>
+      </p:nvGrpSpPr>
+      <p:grpSpPr>
+        <a:xfrm>
+          <a:off x="0" y="0"/>
+          <a:ext cx="0" cy="0"/>
+          <a:chOff x="0" y="0"/>
+          <a:chExt cx="0" cy="0"/>
+        </a:xfrm>
+      </p:grpSpPr>
+      <p:pic>
+        <p:nvPicPr>
+          <p:cNvPr id="11" name="Content Placeholder 7">
+            <a:extLst>
+              <a:ext uri="{FF2B5EF4-FFF2-40B4-BE49-F238E27FC236}">
+                <a16:creationId xmlns:a16="http://schemas.microsoft.com/office/drawing/2014/main" id="{5B8AEDD9-6B2D-40DC-9EBE-7523E12D61B6}"/>
+              </a:ext>
+            </a:extLst>
+          </p:cNvPr>
+          <p:cNvPicPr>
+            <a:picLocks noGrp="1" noChangeAspect="1"/>
+          </p:cNvPicPr>
+          <p:nvPr>
+            <p:ph idx="1"/>
+          </p:nvPr>
+        </p:nvPicPr>
+        <p:blipFill>
+          <a:blip r:embed="rId2"/>
+          <a:stretch>
+            <a:fillRect/>
+          </a:stretch>
+        </p:blipFill>
+        <p:spPr>
+          <a:xfrm>
+            <a:off x="643467" y="770890"/>
+            <a:ext cx="10905066" cy="5316218"/>
+          </a:xfrm>
+          <a:prstGeom prst="rect">
+            <a:avLst/>
+          </a:prstGeom>
+        </p:spPr>
+      </p:pic>
+    </p:spTree>
+    <p:extLst>
+      <p:ext uri="{BB962C8B-B14F-4D97-AF65-F5344CB8AC3E}">
+        <p14:creationId xmlns:p14="http://schemas.microsoft.com/office/powerpoint/2010/main" val="220242813"/>
+      </p:ext>
+    </p:extLst>
+  </p:cSld>
+  <p:clrMapOvr>
+    <a:masterClrMapping/>
+  </p:clrMapOvr>
+</p:sld>
+</file>
+
+<file path=ppt/slides/slide9.xml><?xml version="1.0" encoding="utf-8"?>
+<p:sld xmlns:a="http://schemas.openxmlformats.org/drawingml/2006/main" xmlns:r="http://schemas.openxmlformats.org/officeDocument/2006/relationships" xmlns:p="http://schemas.openxmlformats.org/presentationml/2006/main">
+  <p:cSld>
+    <p:bg>
+      <p:bgPr>
+        <a:solidFill>
+          <a:schemeClr val="bg1"/>
+        </a:solidFill>
+        <a:effectLst/>
+      </p:bgPr>
+    </p:bg>
+    <p:spTree>
+      <p:nvGrpSpPr>
+        <p:cNvPr id="1" name=""/>
+        <p:cNvGrpSpPr/>
+        <p:nvPr/>
+      </p:nvGrpSpPr>
+      <p:grpSpPr>
+        <a:xfrm>
+          <a:off x="0" y="0"/>
+          <a:ext cx="0" cy="0"/>
+          <a:chOff x="0" y="0"/>
+          <a:chExt cx="0" cy="0"/>
+        </a:xfrm>
+      </p:grpSpPr>
+      <p:pic>
+        <p:nvPicPr>
+          <p:cNvPr id="7" name="Content Placeholder 3">
+            <a:extLst>
+              <a:ext uri="{FF2B5EF4-FFF2-40B4-BE49-F238E27FC236}">
+                <a16:creationId xmlns:a16="http://schemas.microsoft.com/office/drawing/2014/main" id="{7A684FE2-1B3A-4183-A87B-594E19E7967C}"/>
+              </a:ext>
+            </a:extLst>
+          </p:cNvPr>
+          <p:cNvPicPr>
+            <a:picLocks noGrp="1" noChangeAspect="1"/>
+          </p:cNvPicPr>
+          <p:nvPr>
+            <p:ph idx="1"/>
+          </p:nvPr>
+        </p:nvPicPr>
+        <p:blipFill>
+          <a:blip r:embed="rId2"/>
+          <a:stretch>
+            <a:fillRect/>
+          </a:stretch>
+        </p:blipFill>
+        <p:spPr>
+          <a:xfrm>
+            <a:off x="1409609" y="324266"/>
+            <a:ext cx="9372782" cy="6209467"/>
+          </a:xfrm>
+          <a:prstGeom prst="rect">
+            <a:avLst/>
+          </a:prstGeom>
+        </p:spPr>
+      </p:pic>
+    </p:spTree>
+    <p:extLst>
+      <p:ext uri="{BB962C8B-B14F-4D97-AF65-F5344CB8AC3E}">
+        <p14:creationId xmlns:p14="http://schemas.microsoft.com/office/powerpoint/2010/main" val="1035873231"/>
       </p:ext>
     </p:extLst>
   </p:cSld>
